--- a/C++/Tutoring/Lectures/WS-24/Operator Overloading/Operator Overloading.pptx
+++ b/C++/Tutoring/Lectures/WS-24/Operator Overloading/Operator Overloading.pptx
@@ -6,8 +6,15 @@
   </p:sldMasterIdLst>
   <p:sldIdLst>
     <p:sldId id="256" r:id="rId2"/>
-    <p:sldId id="257" r:id="rId3"/>
-    <p:sldId id="258" r:id="rId4"/>
+    <p:sldId id="265" r:id="rId3"/>
+    <p:sldId id="257" r:id="rId4"/>
+    <p:sldId id="259" r:id="rId5"/>
+    <p:sldId id="266" r:id="rId6"/>
+    <p:sldId id="263" r:id="rId7"/>
+    <p:sldId id="260" r:id="rId8"/>
+    <p:sldId id="261" r:id="rId9"/>
+    <p:sldId id="262" r:id="rId10"/>
+    <p:sldId id="264" r:id="rId11"/>
   </p:sldIdLst>
   <p:sldSz cx="12192000" cy="6858000"/>
   <p:notesSz cx="6858000" cy="9144000"/>
@@ -106,6 +113,11 @@
       </a:defRPr>
     </a:lvl9pPr>
   </p:defaultTextStyle>
+  <p:extLst>
+    <p:ext uri="{EFAFB233-063F-42B5-8137-9DF3F51BA10A}">
+      <p15:sldGuideLst xmlns:p15="http://schemas.microsoft.com/office/powerpoint/2012/main"/>
+    </p:ext>
+  </p:extLst>
 </p:presentation>
 </file>
 
@@ -258,7 +270,7 @@
           <a:p>
             <a:fld id="{9E045865-84CA-42F6-BE0A-D9DB698C966C}" type="datetimeFigureOut">
               <a:rPr lang="de-DE" smtClean="0"/>
-              <a:t>29.09.2024</a:t>
+              <a:t>14.11.2024</a:t>
             </a:fld>
             <a:endParaRPr lang="de-DE"/>
           </a:p>
@@ -458,7 +470,7 @@
           <a:p>
             <a:fld id="{9E045865-84CA-42F6-BE0A-D9DB698C966C}" type="datetimeFigureOut">
               <a:rPr lang="de-DE" smtClean="0"/>
-              <a:t>29.09.2024</a:t>
+              <a:t>14.11.2024</a:t>
             </a:fld>
             <a:endParaRPr lang="de-DE"/>
           </a:p>
@@ -668,7 +680,7 @@
           <a:p>
             <a:fld id="{9E045865-84CA-42F6-BE0A-D9DB698C966C}" type="datetimeFigureOut">
               <a:rPr lang="de-DE" smtClean="0"/>
-              <a:t>29.09.2024</a:t>
+              <a:t>14.11.2024</a:t>
             </a:fld>
             <a:endParaRPr lang="de-DE"/>
           </a:p>
@@ -868,7 +880,7 @@
           <a:p>
             <a:fld id="{9E045865-84CA-42F6-BE0A-D9DB698C966C}" type="datetimeFigureOut">
               <a:rPr lang="de-DE" smtClean="0"/>
-              <a:t>29.09.2024</a:t>
+              <a:t>14.11.2024</a:t>
             </a:fld>
             <a:endParaRPr lang="de-DE"/>
           </a:p>
@@ -1144,7 +1156,7 @@
           <a:p>
             <a:fld id="{9E045865-84CA-42F6-BE0A-D9DB698C966C}" type="datetimeFigureOut">
               <a:rPr lang="de-DE" smtClean="0"/>
-              <a:t>29.09.2024</a:t>
+              <a:t>14.11.2024</a:t>
             </a:fld>
             <a:endParaRPr lang="de-DE"/>
           </a:p>
@@ -1412,7 +1424,7 @@
           <a:p>
             <a:fld id="{9E045865-84CA-42F6-BE0A-D9DB698C966C}" type="datetimeFigureOut">
               <a:rPr lang="de-DE" smtClean="0"/>
-              <a:t>29.09.2024</a:t>
+              <a:t>14.11.2024</a:t>
             </a:fld>
             <a:endParaRPr lang="de-DE"/>
           </a:p>
@@ -1827,7 +1839,7 @@
           <a:p>
             <a:fld id="{9E045865-84CA-42F6-BE0A-D9DB698C966C}" type="datetimeFigureOut">
               <a:rPr lang="de-DE" smtClean="0"/>
-              <a:t>29.09.2024</a:t>
+              <a:t>14.11.2024</a:t>
             </a:fld>
             <a:endParaRPr lang="de-DE"/>
           </a:p>
@@ -1969,7 +1981,7 @@
           <a:p>
             <a:fld id="{9E045865-84CA-42F6-BE0A-D9DB698C966C}" type="datetimeFigureOut">
               <a:rPr lang="de-DE" smtClean="0"/>
-              <a:t>29.09.2024</a:t>
+              <a:t>14.11.2024</a:t>
             </a:fld>
             <a:endParaRPr lang="de-DE"/>
           </a:p>
@@ -2082,7 +2094,7 @@
           <a:p>
             <a:fld id="{9E045865-84CA-42F6-BE0A-D9DB698C966C}" type="datetimeFigureOut">
               <a:rPr lang="de-DE" smtClean="0"/>
-              <a:t>29.09.2024</a:t>
+              <a:t>14.11.2024</a:t>
             </a:fld>
             <a:endParaRPr lang="de-DE"/>
           </a:p>
@@ -2395,7 +2407,7 @@
           <a:p>
             <a:fld id="{9E045865-84CA-42F6-BE0A-D9DB698C966C}" type="datetimeFigureOut">
               <a:rPr lang="de-DE" smtClean="0"/>
-              <a:t>29.09.2024</a:t>
+              <a:t>14.11.2024</a:t>
             </a:fld>
             <a:endParaRPr lang="de-DE"/>
           </a:p>
@@ -2684,7 +2696,7 @@
           <a:p>
             <a:fld id="{9E045865-84CA-42F6-BE0A-D9DB698C966C}" type="datetimeFigureOut">
               <a:rPr lang="de-DE" smtClean="0"/>
-              <a:t>29.09.2024</a:t>
+              <a:t>14.11.2024</a:t>
             </a:fld>
             <a:endParaRPr lang="de-DE"/>
           </a:p>
@@ -2927,7 +2939,7 @@
           <a:p>
             <a:fld id="{9E045865-84CA-42F6-BE0A-D9DB698C966C}" type="datetimeFigureOut">
               <a:rPr lang="de-DE" smtClean="0"/>
-              <a:t>29.09.2024</a:t>
+              <a:t>14.11.2024</a:t>
             </a:fld>
             <a:endParaRPr lang="de-DE"/>
           </a:p>
@@ -3432,7 +3444,1228 @@
 </p:sld>
 </file>
 
+<file path=ppt/slides/slide10.xml><?xml version="1.0" encoding="utf-8"?>
+<p:sld xmlns:a="http://schemas.openxmlformats.org/drawingml/2006/main" xmlns:r="http://schemas.openxmlformats.org/officeDocument/2006/relationships" xmlns:p="http://schemas.openxmlformats.org/presentationml/2006/main">
+  <p:cSld>
+    <p:bg>
+      <p:bgPr>
+        <a:solidFill>
+          <a:schemeClr val="bg1"/>
+        </a:solidFill>
+        <a:effectLst/>
+      </p:bgPr>
+    </p:bg>
+    <p:spTree>
+      <p:nvGrpSpPr>
+        <p:cNvPr id="1" name=""/>
+        <p:cNvGrpSpPr/>
+        <p:nvPr/>
+      </p:nvGrpSpPr>
+      <p:grpSpPr>
+        <a:xfrm>
+          <a:off x="0" y="0"/>
+          <a:ext cx="0" cy="0"/>
+          <a:chOff x="0" y="0"/>
+          <a:chExt cx="0" cy="0"/>
+        </a:xfrm>
+      </p:grpSpPr>
+      <p:sp useBgFill="1">
+        <p:nvSpPr>
+          <p:cNvPr id="7" name="Rectangle 6">
+            <a:extLst>
+              <a:ext uri="{FF2B5EF4-FFF2-40B4-BE49-F238E27FC236}">
+                <a16:creationId xmlns:a16="http://schemas.microsoft.com/office/drawing/2014/main" id="{943CAA20-3569-4189-9E48-239A229A86CA}"/>
+              </a:ext>
+              <a:ext uri="{C183D7F6-B498-43B3-948B-1728B52AA6E4}">
+                <adec:decorative xmlns:adec="http://schemas.microsoft.com/office/drawing/2017/decorative" val="1"/>
+              </a:ext>
+            </a:extLst>
+          </p:cNvPr>
+          <p:cNvSpPr>
+            <a:spLocks noGrp="1" noRot="1" noChangeAspect="1" noMove="1" noResize="1" noEditPoints="1" noAdjustHandles="1" noChangeArrowheads="1" noChangeShapeType="1" noTextEdit="1"/>
+          </p:cNvSpPr>
+          <p:nvPr>
+            <p:extLst>
+              <p:ext uri="{386F3935-93C4-4BCD-93E2-E3B085C9AB24}">
+                <p16:designElem xmlns:p16="http://schemas.microsoft.com/office/powerpoint/2015/main" val="1"/>
+              </p:ext>
+            </p:extLst>
+          </p:nvPr>
+        </p:nvSpPr>
+        <p:spPr>
+          <a:xfrm>
+            <a:off x="0" y="0"/>
+            <a:ext cx="12188952" cy="6858000"/>
+          </a:xfrm>
+          <a:prstGeom prst="rect">
+            <a:avLst/>
+          </a:prstGeom>
+          <a:ln>
+            <a:noFill/>
+          </a:ln>
+        </p:spPr>
+        <p:style>
+          <a:lnRef idx="2">
+            <a:schemeClr val="accent1">
+              <a:shade val="50000"/>
+            </a:schemeClr>
+          </a:lnRef>
+          <a:fillRef idx="1">
+            <a:schemeClr val="accent1"/>
+          </a:fillRef>
+          <a:effectRef idx="0">
+            <a:schemeClr val="accent1"/>
+          </a:effectRef>
+          <a:fontRef idx="minor">
+            <a:schemeClr val="lt1"/>
+          </a:fontRef>
+        </p:style>
+        <p:txBody>
+          <a:bodyPr rtlCol="0" anchor="ctr"/>
+          <a:lstStyle/>
+          <a:p>
+            <a:pPr algn="ctr"/>
+            <a:endParaRPr lang="en-US"/>
+          </a:p>
+        </p:txBody>
+      </p:sp>
+      <p:sp>
+        <p:nvSpPr>
+          <p:cNvPr id="2" name="Title 1">
+            <a:extLst>
+              <a:ext uri="{FF2B5EF4-FFF2-40B4-BE49-F238E27FC236}">
+                <a16:creationId xmlns:a16="http://schemas.microsoft.com/office/drawing/2014/main" id="{4EA92BAC-E352-8A29-F875-1CD1878477C4}"/>
+              </a:ext>
+            </a:extLst>
+          </p:cNvPr>
+          <p:cNvSpPr>
+            <a:spLocks noGrp="1"/>
+          </p:cNvSpPr>
+          <p:nvPr>
+            <p:ph type="title"/>
+          </p:nvPr>
+        </p:nvSpPr>
+        <p:spPr>
+          <a:xfrm>
+            <a:off x="838200" y="451381"/>
+            <a:ext cx="10512552" cy="4066540"/>
+          </a:xfrm>
+        </p:spPr>
+        <p:txBody>
+          <a:bodyPr vert="horz" lIns="91440" tIns="45720" rIns="91440" bIns="45720" rtlCol="0" anchor="b">
+            <a:normAutofit/>
+          </a:bodyPr>
+          <a:lstStyle/>
+          <a:p>
+            <a:r>
+              <a:rPr lang="en-US" sz="6600" b="1" i="1" kern="1200">
+                <a:solidFill>
+                  <a:schemeClr val="tx1"/>
+                </a:solidFill>
+                <a:latin typeface="+mj-lt"/>
+                <a:ea typeface="+mj-ea"/>
+                <a:cs typeface="+mj-cs"/>
+              </a:rPr>
+              <a:t>IDE DAY</a:t>
+            </a:r>
+          </a:p>
+        </p:txBody>
+      </p:sp>
+      <p:sp>
+        <p:nvSpPr>
+          <p:cNvPr id="9" name="sketch line">
+            <a:extLst>
+              <a:ext uri="{FF2B5EF4-FFF2-40B4-BE49-F238E27FC236}">
+                <a16:creationId xmlns:a16="http://schemas.microsoft.com/office/drawing/2014/main" id="{DA542B6D-E775-4832-91DC-2D20F857813A}"/>
+              </a:ext>
+              <a:ext uri="{C183D7F6-B498-43B3-948B-1728B52AA6E4}">
+                <adec:decorative xmlns:adec="http://schemas.microsoft.com/office/drawing/2017/decorative" val="1"/>
+              </a:ext>
+            </a:extLst>
+          </p:cNvPr>
+          <p:cNvSpPr>
+            <a:spLocks noGrp="1" noRot="1" noChangeAspect="1" noMove="1" noResize="1" noEditPoints="1" noAdjustHandles="1" noChangeArrowheads="1" noChangeShapeType="1" noTextEdit="1"/>
+          </p:cNvSpPr>
+          <p:nvPr>
+            <p:extLst>
+              <p:ext uri="{386F3935-93C4-4BCD-93E2-E3B085C9AB24}">
+                <p16:designElem xmlns:p16="http://schemas.microsoft.com/office/powerpoint/2015/main" val="1"/>
+              </p:ext>
+            </p:extLst>
+          </p:nvPr>
+        </p:nvSpPr>
+        <p:spPr>
+          <a:xfrm>
+            <a:off x="838200" y="4718595"/>
+            <a:ext cx="5410200" cy="18288"/>
+          </a:xfrm>
+          <a:custGeom>
+            <a:avLst/>
+            <a:gdLst>
+              <a:gd name="connsiteX0" fmla="*/ 0 w 5410200"/>
+              <a:gd name="connsiteY0" fmla="*/ 0 h 18288"/>
+              <a:gd name="connsiteX1" fmla="*/ 568071 w 5410200"/>
+              <a:gd name="connsiteY1" fmla="*/ 0 h 18288"/>
+              <a:gd name="connsiteX2" fmla="*/ 1298448 w 5410200"/>
+              <a:gd name="connsiteY2" fmla="*/ 0 h 18288"/>
+              <a:gd name="connsiteX3" fmla="*/ 1920621 w 5410200"/>
+              <a:gd name="connsiteY3" fmla="*/ 0 h 18288"/>
+              <a:gd name="connsiteX4" fmla="*/ 2488692 w 5410200"/>
+              <a:gd name="connsiteY4" fmla="*/ 0 h 18288"/>
+              <a:gd name="connsiteX5" fmla="*/ 3219069 w 5410200"/>
+              <a:gd name="connsiteY5" fmla="*/ 0 h 18288"/>
+              <a:gd name="connsiteX6" fmla="*/ 3895344 w 5410200"/>
+              <a:gd name="connsiteY6" fmla="*/ 0 h 18288"/>
+              <a:gd name="connsiteX7" fmla="*/ 4571619 w 5410200"/>
+              <a:gd name="connsiteY7" fmla="*/ 0 h 18288"/>
+              <a:gd name="connsiteX8" fmla="*/ 5410200 w 5410200"/>
+              <a:gd name="connsiteY8" fmla="*/ 0 h 18288"/>
+              <a:gd name="connsiteX9" fmla="*/ 5410200 w 5410200"/>
+              <a:gd name="connsiteY9" fmla="*/ 18288 h 18288"/>
+              <a:gd name="connsiteX10" fmla="*/ 4842129 w 5410200"/>
+              <a:gd name="connsiteY10" fmla="*/ 18288 h 18288"/>
+              <a:gd name="connsiteX11" fmla="*/ 4328160 w 5410200"/>
+              <a:gd name="connsiteY11" fmla="*/ 18288 h 18288"/>
+              <a:gd name="connsiteX12" fmla="*/ 3597783 w 5410200"/>
+              <a:gd name="connsiteY12" fmla="*/ 18288 h 18288"/>
+              <a:gd name="connsiteX13" fmla="*/ 3029712 w 5410200"/>
+              <a:gd name="connsiteY13" fmla="*/ 18288 h 18288"/>
+              <a:gd name="connsiteX14" fmla="*/ 2299335 w 5410200"/>
+              <a:gd name="connsiteY14" fmla="*/ 18288 h 18288"/>
+              <a:gd name="connsiteX15" fmla="*/ 1514856 w 5410200"/>
+              <a:gd name="connsiteY15" fmla="*/ 18288 h 18288"/>
+              <a:gd name="connsiteX16" fmla="*/ 892683 w 5410200"/>
+              <a:gd name="connsiteY16" fmla="*/ 18288 h 18288"/>
+              <a:gd name="connsiteX17" fmla="*/ 0 w 5410200"/>
+              <a:gd name="connsiteY17" fmla="*/ 18288 h 18288"/>
+              <a:gd name="connsiteX18" fmla="*/ 0 w 5410200"/>
+              <a:gd name="connsiteY18" fmla="*/ 0 h 18288"/>
+            </a:gdLst>
+            <a:ahLst/>
+            <a:cxnLst>
+              <a:cxn ang="0">
+                <a:pos x="connsiteX0" y="connsiteY0"/>
+              </a:cxn>
+              <a:cxn ang="0">
+                <a:pos x="connsiteX1" y="connsiteY1"/>
+              </a:cxn>
+              <a:cxn ang="0">
+                <a:pos x="connsiteX2" y="connsiteY2"/>
+              </a:cxn>
+              <a:cxn ang="0">
+                <a:pos x="connsiteX3" y="connsiteY3"/>
+              </a:cxn>
+              <a:cxn ang="0">
+                <a:pos x="connsiteX4" y="connsiteY4"/>
+              </a:cxn>
+              <a:cxn ang="0">
+                <a:pos x="connsiteX5" y="connsiteY5"/>
+              </a:cxn>
+              <a:cxn ang="0">
+                <a:pos x="connsiteX6" y="connsiteY6"/>
+              </a:cxn>
+              <a:cxn ang="0">
+                <a:pos x="connsiteX7" y="connsiteY7"/>
+              </a:cxn>
+              <a:cxn ang="0">
+                <a:pos x="connsiteX8" y="connsiteY8"/>
+              </a:cxn>
+              <a:cxn ang="0">
+                <a:pos x="connsiteX9" y="connsiteY9"/>
+              </a:cxn>
+              <a:cxn ang="0">
+                <a:pos x="connsiteX10" y="connsiteY10"/>
+              </a:cxn>
+              <a:cxn ang="0">
+                <a:pos x="connsiteX11" y="connsiteY11"/>
+              </a:cxn>
+              <a:cxn ang="0">
+                <a:pos x="connsiteX12" y="connsiteY12"/>
+              </a:cxn>
+              <a:cxn ang="0">
+                <a:pos x="connsiteX13" y="connsiteY13"/>
+              </a:cxn>
+              <a:cxn ang="0">
+                <a:pos x="connsiteX14" y="connsiteY14"/>
+              </a:cxn>
+              <a:cxn ang="0">
+                <a:pos x="connsiteX15" y="connsiteY15"/>
+              </a:cxn>
+              <a:cxn ang="0">
+                <a:pos x="connsiteX16" y="connsiteY16"/>
+              </a:cxn>
+              <a:cxn ang="0">
+                <a:pos x="connsiteX17" y="connsiteY17"/>
+              </a:cxn>
+              <a:cxn ang="0">
+                <a:pos x="connsiteX18" y="connsiteY18"/>
+              </a:cxn>
+            </a:cxnLst>
+            <a:rect l="l" t="t" r="r" b="b"/>
+            <a:pathLst>
+              <a:path w="5410200" h="18288" fill="none" extrusionOk="0">
+                <a:moveTo>
+                  <a:pt x="0" y="0"/>
+                </a:moveTo>
+                <a:cubicBezTo>
+                  <a:pt x="163050" y="-18707"/>
+                  <a:pt x="319321" y="-16364"/>
+                  <a:pt x="568071" y="0"/>
+                </a:cubicBezTo>
+                <a:cubicBezTo>
+                  <a:pt x="816821" y="16364"/>
+                  <a:pt x="1013224" y="-7268"/>
+                  <a:pt x="1298448" y="0"/>
+                </a:cubicBezTo>
+                <a:cubicBezTo>
+                  <a:pt x="1583672" y="7268"/>
+                  <a:pt x="1631711" y="-3367"/>
+                  <a:pt x="1920621" y="0"/>
+                </a:cubicBezTo>
+                <a:cubicBezTo>
+                  <a:pt x="2209531" y="3367"/>
+                  <a:pt x="2364420" y="-19184"/>
+                  <a:pt x="2488692" y="0"/>
+                </a:cubicBezTo>
+                <a:cubicBezTo>
+                  <a:pt x="2612964" y="19184"/>
+                  <a:pt x="3023298" y="-34627"/>
+                  <a:pt x="3219069" y="0"/>
+                </a:cubicBezTo>
+                <a:cubicBezTo>
+                  <a:pt x="3414840" y="34627"/>
+                  <a:pt x="3656810" y="24043"/>
+                  <a:pt x="3895344" y="0"/>
+                </a:cubicBezTo>
+                <a:cubicBezTo>
+                  <a:pt x="4133879" y="-24043"/>
+                  <a:pt x="4393984" y="-19577"/>
+                  <a:pt x="4571619" y="0"/>
+                </a:cubicBezTo>
+                <a:cubicBezTo>
+                  <a:pt x="4749255" y="19577"/>
+                  <a:pt x="5179928" y="-6281"/>
+                  <a:pt x="5410200" y="0"/>
+                </a:cubicBezTo>
+                <a:cubicBezTo>
+                  <a:pt x="5410730" y="6954"/>
+                  <a:pt x="5410934" y="12839"/>
+                  <a:pt x="5410200" y="18288"/>
+                </a:cubicBezTo>
+                <a:cubicBezTo>
+                  <a:pt x="5139060" y="6751"/>
+                  <a:pt x="5121593" y="31035"/>
+                  <a:pt x="4842129" y="18288"/>
+                </a:cubicBezTo>
+                <a:cubicBezTo>
+                  <a:pt x="4562665" y="5541"/>
+                  <a:pt x="4448273" y="9487"/>
+                  <a:pt x="4328160" y="18288"/>
+                </a:cubicBezTo>
+                <a:cubicBezTo>
+                  <a:pt x="4208047" y="27089"/>
+                  <a:pt x="3760936" y="22567"/>
+                  <a:pt x="3597783" y="18288"/>
+                </a:cubicBezTo>
+                <a:cubicBezTo>
+                  <a:pt x="3434630" y="14009"/>
+                  <a:pt x="3299718" y="33213"/>
+                  <a:pt x="3029712" y="18288"/>
+                </a:cubicBezTo>
+                <a:cubicBezTo>
+                  <a:pt x="2759706" y="3363"/>
+                  <a:pt x="2640159" y="27394"/>
+                  <a:pt x="2299335" y="18288"/>
+                </a:cubicBezTo>
+                <a:cubicBezTo>
+                  <a:pt x="1958511" y="9182"/>
+                  <a:pt x="1801186" y="28985"/>
+                  <a:pt x="1514856" y="18288"/>
+                </a:cubicBezTo>
+                <a:cubicBezTo>
+                  <a:pt x="1228526" y="7591"/>
+                  <a:pt x="1063509" y="-5305"/>
+                  <a:pt x="892683" y="18288"/>
+                </a:cubicBezTo>
+                <a:cubicBezTo>
+                  <a:pt x="721857" y="41881"/>
+                  <a:pt x="186945" y="-20897"/>
+                  <a:pt x="0" y="18288"/>
+                </a:cubicBezTo>
+                <a:cubicBezTo>
+                  <a:pt x="-570" y="9279"/>
+                  <a:pt x="132" y="5100"/>
+                  <a:pt x="0" y="0"/>
+                </a:cubicBezTo>
+                <a:close/>
+              </a:path>
+              <a:path w="5410200" h="18288" stroke="0" extrusionOk="0">
+                <a:moveTo>
+                  <a:pt x="0" y="0"/>
+                </a:moveTo>
+                <a:cubicBezTo>
+                  <a:pt x="285096" y="-4925"/>
+                  <a:pt x="376456" y="22268"/>
+                  <a:pt x="622173" y="0"/>
+                </a:cubicBezTo>
+                <a:cubicBezTo>
+                  <a:pt x="867890" y="-22268"/>
+                  <a:pt x="1031392" y="7228"/>
+                  <a:pt x="1136142" y="0"/>
+                </a:cubicBezTo>
+                <a:cubicBezTo>
+                  <a:pt x="1240892" y="-7228"/>
+                  <a:pt x="1561853" y="9877"/>
+                  <a:pt x="1920621" y="0"/>
+                </a:cubicBezTo>
+                <a:cubicBezTo>
+                  <a:pt x="2279389" y="-9877"/>
+                  <a:pt x="2367255" y="19546"/>
+                  <a:pt x="2542794" y="0"/>
+                </a:cubicBezTo>
+                <a:cubicBezTo>
+                  <a:pt x="2718333" y="-19546"/>
+                  <a:pt x="2866732" y="-22226"/>
+                  <a:pt x="3164967" y="0"/>
+                </a:cubicBezTo>
+                <a:cubicBezTo>
+                  <a:pt x="3463202" y="22226"/>
+                  <a:pt x="3568055" y="-2765"/>
+                  <a:pt x="3949446" y="0"/>
+                </a:cubicBezTo>
+                <a:cubicBezTo>
+                  <a:pt x="4330837" y="2765"/>
+                  <a:pt x="4287895" y="10557"/>
+                  <a:pt x="4517517" y="0"/>
+                </a:cubicBezTo>
+                <a:cubicBezTo>
+                  <a:pt x="4747139" y="-10557"/>
+                  <a:pt x="5149588" y="8716"/>
+                  <a:pt x="5410200" y="0"/>
+                </a:cubicBezTo>
+                <a:cubicBezTo>
+                  <a:pt x="5409517" y="5414"/>
+                  <a:pt x="5409480" y="12510"/>
+                  <a:pt x="5410200" y="18288"/>
+                </a:cubicBezTo>
+                <a:cubicBezTo>
+                  <a:pt x="5163327" y="41494"/>
+                  <a:pt x="5008749" y="10693"/>
+                  <a:pt x="4842129" y="18288"/>
+                </a:cubicBezTo>
+                <a:cubicBezTo>
+                  <a:pt x="4675509" y="25883"/>
+                  <a:pt x="4433401" y="-615"/>
+                  <a:pt x="4165854" y="18288"/>
+                </a:cubicBezTo>
+                <a:cubicBezTo>
+                  <a:pt x="3898308" y="37191"/>
+                  <a:pt x="3809032" y="-8710"/>
+                  <a:pt x="3543681" y="18288"/>
+                </a:cubicBezTo>
+                <a:cubicBezTo>
+                  <a:pt x="3278330" y="45286"/>
+                  <a:pt x="3073876" y="-15917"/>
+                  <a:pt x="2759202" y="18288"/>
+                </a:cubicBezTo>
+                <a:cubicBezTo>
+                  <a:pt x="2444528" y="52493"/>
+                  <a:pt x="2204144" y="3372"/>
+                  <a:pt x="1974723" y="18288"/>
+                </a:cubicBezTo>
+                <a:cubicBezTo>
+                  <a:pt x="1745302" y="33204"/>
+                  <a:pt x="1602335" y="31490"/>
+                  <a:pt x="1406652" y="18288"/>
+                </a:cubicBezTo>
+                <a:cubicBezTo>
+                  <a:pt x="1210969" y="5086"/>
+                  <a:pt x="923948" y="3161"/>
+                  <a:pt x="730377" y="18288"/>
+                </a:cubicBezTo>
+                <a:cubicBezTo>
+                  <a:pt x="536806" y="33415"/>
+                  <a:pt x="336496" y="-141"/>
+                  <a:pt x="0" y="18288"/>
+                </a:cubicBezTo>
+                <a:cubicBezTo>
+                  <a:pt x="-306" y="11061"/>
+                  <a:pt x="-655" y="7751"/>
+                  <a:pt x="0" y="0"/>
+                </a:cubicBezTo>
+                <a:close/>
+              </a:path>
+            </a:pathLst>
+          </a:custGeom>
+          <a:solidFill>
+            <a:schemeClr val="accent2"/>
+          </a:solidFill>
+          <a:ln w="41275" cap="rnd">
+            <a:solidFill>
+              <a:schemeClr val="accent2"/>
+            </a:solidFill>
+            <a:round/>
+            <a:extLst>
+              <a:ext uri="{C807C97D-BFC1-408E-A445-0C87EB9F89A2}">
+                <ask:lineSketchStyleProps xmlns:ask="http://schemas.microsoft.com/office/drawing/2018/sketchyshapes" sd="1219033472">
+                  <a:prstGeom prst="rect">
+                    <a:avLst/>
+                  </a:prstGeom>
+                  <ask:type>
+                    <ask:lineSketchFreehand/>
+                  </ask:type>
+                </ask:lineSketchStyleProps>
+              </a:ext>
+            </a:extLst>
+          </a:ln>
+        </p:spPr>
+        <p:style>
+          <a:lnRef idx="2">
+            <a:schemeClr val="accent1">
+              <a:shade val="50000"/>
+            </a:schemeClr>
+          </a:lnRef>
+          <a:fillRef idx="1">
+            <a:schemeClr val="accent1"/>
+          </a:fillRef>
+          <a:effectRef idx="0">
+            <a:schemeClr val="accent1"/>
+          </a:effectRef>
+          <a:fontRef idx="minor">
+            <a:schemeClr val="lt1"/>
+          </a:fontRef>
+        </p:style>
+        <p:txBody>
+          <a:bodyPr rtlCol="0" anchor="ctr"/>
+          <a:lstStyle/>
+          <a:p>
+            <a:pPr algn="ctr"/>
+            <a:endParaRPr lang="en-US"/>
+          </a:p>
+        </p:txBody>
+      </p:sp>
+    </p:spTree>
+    <p:extLst>
+      <p:ext uri="{BB962C8B-B14F-4D97-AF65-F5344CB8AC3E}">
+        <p14:creationId xmlns:p14="http://schemas.microsoft.com/office/powerpoint/2010/main" val="3151206185"/>
+      </p:ext>
+    </p:extLst>
+  </p:cSld>
+  <p:clrMapOvr>
+    <a:masterClrMapping/>
+  </p:clrMapOvr>
+</p:sld>
+</file>
+
 <file path=ppt/slides/slide2.xml><?xml version="1.0" encoding="utf-8"?>
+<p:sld xmlns:a="http://schemas.openxmlformats.org/drawingml/2006/main" xmlns:r="http://schemas.openxmlformats.org/officeDocument/2006/relationships" xmlns:p="http://schemas.openxmlformats.org/presentationml/2006/main">
+  <p:cSld>
+    <p:bg>
+      <p:bgPr>
+        <a:solidFill>
+          <a:schemeClr val="bg1"/>
+        </a:solidFill>
+        <a:effectLst/>
+      </p:bgPr>
+    </p:bg>
+    <p:spTree>
+      <p:nvGrpSpPr>
+        <p:cNvPr id="1" name=""/>
+        <p:cNvGrpSpPr/>
+        <p:nvPr/>
+      </p:nvGrpSpPr>
+      <p:grpSpPr>
+        <a:xfrm>
+          <a:off x="0" y="0"/>
+          <a:ext cx="0" cy="0"/>
+          <a:chOff x="0" y="0"/>
+          <a:chExt cx="0" cy="0"/>
+        </a:xfrm>
+      </p:grpSpPr>
+      <p:sp useBgFill="1">
+        <p:nvSpPr>
+          <p:cNvPr id="10" name="Rectangle 9">
+            <a:extLst>
+              <a:ext uri="{FF2B5EF4-FFF2-40B4-BE49-F238E27FC236}">
+                <a16:creationId xmlns:a16="http://schemas.microsoft.com/office/drawing/2014/main" id="{B9D7E975-9161-4F2D-AC53-69E1912F6B5D}"/>
+              </a:ext>
+              <a:ext uri="{C183D7F6-B498-43B3-948B-1728B52AA6E4}">
+                <adec:decorative xmlns:adec="http://schemas.microsoft.com/office/drawing/2017/decorative" val="1"/>
+              </a:ext>
+            </a:extLst>
+          </p:cNvPr>
+          <p:cNvSpPr>
+            <a:spLocks noGrp="1" noRot="1" noChangeAspect="1" noMove="1" noResize="1" noEditPoints="1" noAdjustHandles="1" noChangeArrowheads="1" noChangeShapeType="1" noTextEdit="1"/>
+          </p:cNvSpPr>
+          <p:nvPr>
+            <p:extLst>
+              <p:ext uri="{386F3935-93C4-4BCD-93E2-E3B085C9AB24}">
+                <p16:designElem xmlns:p16="http://schemas.microsoft.com/office/powerpoint/2015/main" val="1"/>
+              </p:ext>
+            </p:extLst>
+          </p:nvPr>
+        </p:nvSpPr>
+        <p:spPr>
+          <a:xfrm>
+            <a:off x="0" y="0"/>
+            <a:ext cx="12192000" cy="6858000"/>
+          </a:xfrm>
+          <a:prstGeom prst="rect">
+            <a:avLst/>
+          </a:prstGeom>
+          <a:ln>
+            <a:noFill/>
+          </a:ln>
+        </p:spPr>
+        <p:style>
+          <a:lnRef idx="2">
+            <a:schemeClr val="accent1">
+              <a:shade val="50000"/>
+            </a:schemeClr>
+          </a:lnRef>
+          <a:fillRef idx="1">
+            <a:schemeClr val="accent1"/>
+          </a:fillRef>
+          <a:effectRef idx="0">
+            <a:schemeClr val="accent1"/>
+          </a:effectRef>
+          <a:fontRef idx="minor">
+            <a:schemeClr val="lt1"/>
+          </a:fontRef>
+        </p:style>
+        <p:txBody>
+          <a:bodyPr rtlCol="0" anchor="ctr"/>
+          <a:lstStyle/>
+          <a:p>
+            <a:pPr algn="ctr"/>
+            <a:endParaRPr lang="en-US"/>
+          </a:p>
+        </p:txBody>
+      </p:sp>
+      <p:pic>
+        <p:nvPicPr>
+          <p:cNvPr id="5" name="Content Placeholder 4">
+            <a:extLst>
+              <a:ext uri="{FF2B5EF4-FFF2-40B4-BE49-F238E27FC236}">
+                <a16:creationId xmlns:a16="http://schemas.microsoft.com/office/drawing/2014/main" id="{319E2425-651B-EA0F-A059-2D93FFD11EAE}"/>
+              </a:ext>
+            </a:extLst>
+          </p:cNvPr>
+          <p:cNvPicPr>
+            <a:picLocks noGrp="1" noChangeAspect="1"/>
+          </p:cNvPicPr>
+          <p:nvPr>
+            <p:ph idx="1"/>
+          </p:nvPr>
+        </p:nvPicPr>
+        <p:blipFill>
+          <a:blip r:embed="rId2"/>
+          <a:stretch>
+            <a:fillRect/>
+          </a:stretch>
+        </p:blipFill>
+        <p:spPr>
+          <a:xfrm>
+            <a:off x="299241" y="482214"/>
+            <a:ext cx="6938743" cy="6054053"/>
+          </a:xfrm>
+          <a:prstGeom prst="rect">
+            <a:avLst/>
+          </a:prstGeom>
+        </p:spPr>
+      </p:pic>
+      <p:sp>
+        <p:nvSpPr>
+          <p:cNvPr id="12" name="Right Triangle 11">
+            <a:extLst>
+              <a:ext uri="{FF2B5EF4-FFF2-40B4-BE49-F238E27FC236}">
+                <a16:creationId xmlns:a16="http://schemas.microsoft.com/office/drawing/2014/main" id="{827DC2C4-B485-428A-BF4A-472D2967F47F}"/>
+              </a:ext>
+              <a:ext uri="{C183D7F6-B498-43B3-948B-1728B52AA6E4}">
+                <adec:decorative xmlns:adec="http://schemas.microsoft.com/office/drawing/2017/decorative" val="1"/>
+              </a:ext>
+            </a:extLst>
+          </p:cNvPr>
+          <p:cNvSpPr>
+            <a:spLocks noGrp="1" noRot="1" noChangeAspect="1" noMove="1" noResize="1" noEditPoints="1" noAdjustHandles="1" noChangeArrowheads="1" noChangeShapeType="1" noTextEdit="1"/>
+          </p:cNvSpPr>
+          <p:nvPr>
+            <p:extLst>
+              <p:ext uri="{386F3935-93C4-4BCD-93E2-E3B085C9AB24}">
+                <p16:designElem xmlns:p16="http://schemas.microsoft.com/office/powerpoint/2015/main" val="1"/>
+              </p:ext>
+            </p:extLst>
+          </p:nvPr>
+        </p:nvSpPr>
+        <p:spPr>
+          <a:xfrm flipH="1">
+            <a:off x="8576720" y="3335867"/>
+            <a:ext cx="3291840" cy="3200400"/>
+          </a:xfrm>
+          <a:prstGeom prst="rtTriangle">
+            <a:avLst/>
+          </a:prstGeom>
+          <a:solidFill>
+            <a:schemeClr val="accent4"/>
+          </a:solidFill>
+          <a:ln>
+            <a:noFill/>
+          </a:ln>
+        </p:spPr>
+        <p:style>
+          <a:lnRef idx="2">
+            <a:schemeClr val="accent1">
+              <a:shade val="50000"/>
+            </a:schemeClr>
+          </a:lnRef>
+          <a:fillRef idx="1">
+            <a:schemeClr val="accent1"/>
+          </a:fillRef>
+          <a:effectRef idx="0">
+            <a:schemeClr val="accent1"/>
+          </a:effectRef>
+          <a:fontRef idx="minor">
+            <a:schemeClr val="lt1"/>
+          </a:fontRef>
+        </p:style>
+        <p:txBody>
+          <a:bodyPr rtlCol="0" anchor="ctr"/>
+          <a:lstStyle/>
+          <a:p>
+            <a:pPr algn="ctr"/>
+            <a:endParaRPr lang="en-US" dirty="0"/>
+          </a:p>
+        </p:txBody>
+      </p:sp>
+      <p:sp>
+        <p:nvSpPr>
+          <p:cNvPr id="14" name="Rectangle 13">
+            <a:extLst>
+              <a:ext uri="{FF2B5EF4-FFF2-40B4-BE49-F238E27FC236}">
+                <a16:creationId xmlns:a16="http://schemas.microsoft.com/office/drawing/2014/main" id="{463E6235-1649-4B47-9862-4026FC473B6F}"/>
+              </a:ext>
+              <a:ext uri="{C183D7F6-B498-43B3-948B-1728B52AA6E4}">
+                <adec:decorative xmlns:adec="http://schemas.microsoft.com/office/drawing/2017/decorative" val="1"/>
+              </a:ext>
+            </a:extLst>
+          </p:cNvPr>
+          <p:cNvSpPr>
+            <a:spLocks noGrp="1" noRot="1" noChangeAspect="1" noMove="1" noResize="1" noEditPoints="1" noAdjustHandles="1" noChangeArrowheads="1" noChangeShapeType="1" noTextEdit="1"/>
+          </p:cNvSpPr>
+          <p:nvPr>
+            <p:extLst>
+              <p:ext uri="{386F3935-93C4-4BCD-93E2-E3B085C9AB24}">
+                <p16:designElem xmlns:p16="http://schemas.microsoft.com/office/powerpoint/2015/main" val="1"/>
+              </p:ext>
+            </p:extLst>
+          </p:nvPr>
+        </p:nvSpPr>
+        <p:spPr>
+          <a:xfrm>
+            <a:off x="7534653" y="623275"/>
+            <a:ext cx="4012173" cy="5607882"/>
+          </a:xfrm>
+          <a:prstGeom prst="rect">
+            <a:avLst/>
+          </a:prstGeom>
+          <a:noFill/>
+          <a:ln w="19050">
+            <a:solidFill>
+              <a:schemeClr val="tx1">
+                <a:lumMod val="75000"/>
+                <a:lumOff val="25000"/>
+              </a:schemeClr>
+            </a:solidFill>
+          </a:ln>
+        </p:spPr>
+        <p:style>
+          <a:lnRef idx="2">
+            <a:schemeClr val="accent1">
+              <a:shade val="50000"/>
+            </a:schemeClr>
+          </a:lnRef>
+          <a:fillRef idx="1">
+            <a:schemeClr val="accent1"/>
+          </a:fillRef>
+          <a:effectRef idx="0">
+            <a:schemeClr val="accent1"/>
+          </a:effectRef>
+          <a:fontRef idx="minor">
+            <a:schemeClr val="lt1"/>
+          </a:fontRef>
+        </p:style>
+        <p:txBody>
+          <a:bodyPr rtlCol="0" anchor="ctr"/>
+          <a:lstStyle/>
+          <a:p>
+            <a:pPr algn="ctr"/>
+            <a:endParaRPr lang="en-US"/>
+          </a:p>
+        </p:txBody>
+      </p:sp>
+      <p:sp>
+        <p:nvSpPr>
+          <p:cNvPr id="2" name="Title 1">
+            <a:extLst>
+              <a:ext uri="{FF2B5EF4-FFF2-40B4-BE49-F238E27FC236}">
+                <a16:creationId xmlns:a16="http://schemas.microsoft.com/office/drawing/2014/main" id="{510D593F-0D92-F135-F4B9-EA4D2062AA24}"/>
+              </a:ext>
+            </a:extLst>
+          </p:cNvPr>
+          <p:cNvSpPr>
+            <a:spLocks noGrp="1"/>
+          </p:cNvSpPr>
+          <p:nvPr>
+            <p:ph type="title"/>
+          </p:nvPr>
+        </p:nvSpPr>
+        <p:spPr>
+          <a:xfrm>
+            <a:off x="8052497" y="1056640"/>
+            <a:ext cx="3197660" cy="3125746"/>
+          </a:xfrm>
+        </p:spPr>
+        <p:txBody>
+          <a:bodyPr vert="horz" lIns="91440" tIns="45720" rIns="91440" bIns="45720" rtlCol="0" anchor="b">
+            <a:normAutofit/>
+          </a:bodyPr>
+          <a:lstStyle/>
+          <a:p>
+            <a:r>
+              <a:rPr lang="en-US" sz="5000" kern="1200">
+                <a:solidFill>
+                  <a:schemeClr val="tx1"/>
+                </a:solidFill>
+                <a:latin typeface="+mj-lt"/>
+                <a:ea typeface="+mj-ea"/>
+                <a:cs typeface="+mj-cs"/>
+              </a:rPr>
+              <a:t>What does friend mean?</a:t>
+            </a:r>
+          </a:p>
+        </p:txBody>
+      </p:sp>
+    </p:spTree>
+    <p:extLst>
+      <p:ext uri="{BB962C8B-B14F-4D97-AF65-F5344CB8AC3E}">
+        <p14:creationId xmlns:p14="http://schemas.microsoft.com/office/powerpoint/2010/main" val="3318678906"/>
+      </p:ext>
+    </p:extLst>
+  </p:cSld>
+  <p:clrMapOvr>
+    <a:masterClrMapping/>
+  </p:clrMapOvr>
+</p:sld>
+</file>
+
+<file path=ppt/slides/slide3.xml><?xml version="1.0" encoding="utf-8"?>
+<p:sld xmlns:a="http://schemas.openxmlformats.org/drawingml/2006/main" xmlns:r="http://schemas.openxmlformats.org/officeDocument/2006/relationships" xmlns:p="http://schemas.openxmlformats.org/presentationml/2006/main">
+  <p:cSld>
+    <p:bg>
+      <p:bgPr>
+        <a:solidFill>
+          <a:schemeClr val="bg1"/>
+        </a:solidFill>
+        <a:effectLst/>
+      </p:bgPr>
+    </p:bg>
+    <p:spTree>
+      <p:nvGrpSpPr>
+        <p:cNvPr id="1" name=""/>
+        <p:cNvGrpSpPr/>
+        <p:nvPr/>
+      </p:nvGrpSpPr>
+      <p:grpSpPr>
+        <a:xfrm>
+          <a:off x="0" y="0"/>
+          <a:ext cx="0" cy="0"/>
+          <a:chOff x="0" y="0"/>
+          <a:chExt cx="0" cy="0"/>
+        </a:xfrm>
+      </p:grpSpPr>
+      <p:sp useBgFill="1">
+        <p:nvSpPr>
+          <p:cNvPr id="9" name="Rectangle 8">
+            <a:extLst>
+              <a:ext uri="{FF2B5EF4-FFF2-40B4-BE49-F238E27FC236}">
+                <a16:creationId xmlns:a16="http://schemas.microsoft.com/office/drawing/2014/main" id="{058A14AF-9FB5-4CC7-BA35-E8E85D3EDF0E}"/>
+              </a:ext>
+              <a:ext uri="{C183D7F6-B498-43B3-948B-1728B52AA6E4}">
+                <adec:decorative xmlns:adec="http://schemas.microsoft.com/office/drawing/2017/decorative" val="1"/>
+              </a:ext>
+            </a:extLst>
+          </p:cNvPr>
+          <p:cNvSpPr>
+            <a:spLocks noGrp="1" noRot="1" noChangeAspect="1" noMove="1" noResize="1" noEditPoints="1" noAdjustHandles="1" noChangeArrowheads="1" noChangeShapeType="1" noTextEdit="1"/>
+          </p:cNvSpPr>
+          <p:nvPr>
+            <p:extLst>
+              <p:ext uri="{386F3935-93C4-4BCD-93E2-E3B085C9AB24}">
+                <p16:designElem xmlns:p16="http://schemas.microsoft.com/office/powerpoint/2015/main" val="1"/>
+              </p:ext>
+            </p:extLst>
+          </p:nvPr>
+        </p:nvSpPr>
+        <p:spPr>
+          <a:xfrm>
+            <a:off x="0" y="0"/>
+            <a:ext cx="12191999" cy="6857365"/>
+          </a:xfrm>
+          <a:prstGeom prst="rect">
+            <a:avLst/>
+          </a:prstGeom>
+          <a:ln>
+            <a:noFill/>
+          </a:ln>
+        </p:spPr>
+        <p:style>
+          <a:lnRef idx="2">
+            <a:schemeClr val="accent1">
+              <a:shade val="50000"/>
+            </a:schemeClr>
+          </a:lnRef>
+          <a:fillRef idx="1">
+            <a:schemeClr val="accent1"/>
+          </a:fillRef>
+          <a:effectRef idx="0">
+            <a:schemeClr val="accent1"/>
+          </a:effectRef>
+          <a:fontRef idx="minor">
+            <a:schemeClr val="lt1"/>
+          </a:fontRef>
+        </p:style>
+        <p:txBody>
+          <a:bodyPr rtlCol="0" anchor="ctr"/>
+          <a:lstStyle/>
+          <a:p>
+            <a:pPr algn="ctr"/>
+            <a:endParaRPr lang="en-US"/>
+          </a:p>
+        </p:txBody>
+      </p:sp>
+      <p:sp>
+        <p:nvSpPr>
+          <p:cNvPr id="2" name="Title 1">
+            <a:extLst>
+              <a:ext uri="{FF2B5EF4-FFF2-40B4-BE49-F238E27FC236}">
+                <a16:creationId xmlns:a16="http://schemas.microsoft.com/office/drawing/2014/main" id="{380A1BB6-945C-C0FE-0E47-B96AF071C237}"/>
+              </a:ext>
+            </a:extLst>
+          </p:cNvPr>
+          <p:cNvSpPr>
+            <a:spLocks noGrp="1"/>
+          </p:cNvSpPr>
+          <p:nvPr>
+            <p:ph type="title"/>
+          </p:nvPr>
+        </p:nvSpPr>
+        <p:spPr>
+          <a:xfrm>
+            <a:off x="793662" y="386930"/>
+            <a:ext cx="10066122" cy="1298448"/>
+          </a:xfrm>
+        </p:spPr>
+        <p:txBody>
+          <a:bodyPr anchor="b">
+            <a:normAutofit/>
+          </a:bodyPr>
+          <a:lstStyle/>
+          <a:p>
+            <a:r>
+              <a:rPr lang="en-DE" sz="4800"/>
+              <a:t>What do we know so far</a:t>
+            </a:r>
+            <a:endParaRPr lang="de-DE" sz="4800"/>
+          </a:p>
+        </p:txBody>
+      </p:sp>
+      <p:sp>
+        <p:nvSpPr>
+          <p:cNvPr id="11" name="Rectangle 10">
+            <a:extLst>
+              <a:ext uri="{FF2B5EF4-FFF2-40B4-BE49-F238E27FC236}">
+                <a16:creationId xmlns:a16="http://schemas.microsoft.com/office/drawing/2014/main" id="{3A9A4357-BD1D-4622-A4FE-766E6AB8DE84}"/>
+              </a:ext>
+              <a:ext uri="{C183D7F6-B498-43B3-948B-1728B52AA6E4}">
+                <adec:decorative xmlns:adec="http://schemas.microsoft.com/office/drawing/2017/decorative" val="1"/>
+              </a:ext>
+            </a:extLst>
+          </p:cNvPr>
+          <p:cNvSpPr>
+            <a:spLocks noGrp="1" noRot="1" noChangeAspect="1" noMove="1" noResize="1" noEditPoints="1" noAdjustHandles="1" noChangeArrowheads="1" noChangeShapeType="1" noTextEdit="1"/>
+          </p:cNvSpPr>
+          <p:nvPr>
+            <p:extLst>
+              <p:ext uri="{386F3935-93C4-4BCD-93E2-E3B085C9AB24}">
+                <p16:designElem xmlns:p16="http://schemas.microsoft.com/office/powerpoint/2015/main" val="1"/>
+              </p:ext>
+            </p:extLst>
+          </p:nvPr>
+        </p:nvSpPr>
+        <p:spPr>
+          <a:xfrm flipH="1" flipV="1">
+            <a:off x="-2" y="1998845"/>
+            <a:ext cx="11454595" cy="781699"/>
+          </a:xfrm>
+          <a:prstGeom prst="rect">
+            <a:avLst/>
+          </a:prstGeom>
+          <a:solidFill>
+            <a:schemeClr val="accent4"/>
+          </a:solidFill>
+          <a:ln>
+            <a:noFill/>
+          </a:ln>
+        </p:spPr>
+        <p:style>
+          <a:lnRef idx="2">
+            <a:schemeClr val="accent1">
+              <a:shade val="50000"/>
+            </a:schemeClr>
+          </a:lnRef>
+          <a:fillRef idx="1">
+            <a:schemeClr val="accent1"/>
+          </a:fillRef>
+          <a:effectRef idx="0">
+            <a:schemeClr val="accent1"/>
+          </a:effectRef>
+          <a:fontRef idx="minor">
+            <a:schemeClr val="lt1"/>
+          </a:fontRef>
+        </p:style>
+        <p:txBody>
+          <a:bodyPr rtlCol="0" anchor="ctr"/>
+          <a:lstStyle/>
+          <a:p>
+            <a:pPr algn="ctr"/>
+            <a:endParaRPr lang="en-US"/>
+          </a:p>
+        </p:txBody>
+      </p:sp>
+      <p:sp>
+        <p:nvSpPr>
+          <p:cNvPr id="13" name="Rectangle 12">
+            <a:extLst>
+              <a:ext uri="{FF2B5EF4-FFF2-40B4-BE49-F238E27FC236}">
+                <a16:creationId xmlns:a16="http://schemas.microsoft.com/office/drawing/2014/main" id="{E659831F-0D9A-4C63-9EBB-8435B85A440F}"/>
+              </a:ext>
+              <a:ext uri="{C183D7F6-B498-43B3-948B-1728B52AA6E4}">
+                <adec:decorative xmlns:adec="http://schemas.microsoft.com/office/drawing/2017/decorative" val="1"/>
+              </a:ext>
+            </a:extLst>
+          </p:cNvPr>
+          <p:cNvSpPr>
+            <a:spLocks noGrp="1" noRot="1" noChangeAspect="1" noMove="1" noResize="1" noEditPoints="1" noAdjustHandles="1" noChangeArrowheads="1" noChangeShapeType="1" noTextEdit="1"/>
+          </p:cNvSpPr>
+          <p:nvPr>
+            <p:extLst>
+              <p:ext uri="{386F3935-93C4-4BCD-93E2-E3B085C9AB24}">
+                <p16:designElem xmlns:p16="http://schemas.microsoft.com/office/powerpoint/2015/main" val="1"/>
+              </p:ext>
+            </p:extLst>
+          </p:nvPr>
+        </p:nvSpPr>
+        <p:spPr>
+          <a:xfrm>
+            <a:off x="0" y="2203079"/>
+            <a:ext cx="11383362" cy="4267991"/>
+          </a:xfrm>
+          <a:prstGeom prst="rect">
+            <a:avLst/>
+          </a:prstGeom>
+          <a:solidFill>
+            <a:schemeClr val="bg1"/>
+          </a:solidFill>
+          <a:ln>
+            <a:noFill/>
+          </a:ln>
+          <a:effectLst>
+            <a:outerShdw blurRad="139700" dist="127000" dir="5400000" algn="t" rotWithShape="0">
+              <a:prstClr val="black">
+                <a:alpha val="15000"/>
+              </a:prstClr>
+            </a:outerShdw>
+          </a:effectLst>
+        </p:spPr>
+        <p:style>
+          <a:lnRef idx="2">
+            <a:schemeClr val="accent1">
+              <a:shade val="50000"/>
+            </a:schemeClr>
+          </a:lnRef>
+          <a:fillRef idx="1">
+            <a:schemeClr val="accent1"/>
+          </a:fillRef>
+          <a:effectRef idx="0">
+            <a:schemeClr val="accent1"/>
+          </a:effectRef>
+          <a:fontRef idx="minor">
+            <a:schemeClr val="lt1"/>
+          </a:fontRef>
+        </p:style>
+        <p:txBody>
+          <a:bodyPr rtlCol="0" anchor="ctr"/>
+          <a:lstStyle/>
+          <a:p>
+            <a:pPr algn="ctr"/>
+            <a:endParaRPr lang="en-US"/>
+          </a:p>
+        </p:txBody>
+      </p:sp>
+      <p:sp>
+        <p:nvSpPr>
+          <p:cNvPr id="3" name="Content Placeholder 2">
+            <a:extLst>
+              <a:ext uri="{FF2B5EF4-FFF2-40B4-BE49-F238E27FC236}">
+                <a16:creationId xmlns:a16="http://schemas.microsoft.com/office/drawing/2014/main" id="{175628B7-6B59-07B6-0037-FC3F0DC9BB16}"/>
+              </a:ext>
+            </a:extLst>
+          </p:cNvPr>
+          <p:cNvSpPr>
+            <a:spLocks noGrp="1"/>
+          </p:cNvSpPr>
+          <p:nvPr>
+            <p:ph idx="1"/>
+          </p:nvPr>
+        </p:nvSpPr>
+        <p:spPr>
+          <a:xfrm>
+            <a:off x="793661" y="2599509"/>
+            <a:ext cx="4530898" cy="3639450"/>
+          </a:xfrm>
+        </p:spPr>
+        <p:txBody>
+          <a:bodyPr anchor="ctr">
+            <a:normAutofit/>
+          </a:bodyPr>
+          <a:lstStyle/>
+          <a:p>
+            <a:r>
+              <a:rPr lang="en-DE" sz="2000"/>
+              <a:t>We know the purpose of classes?</a:t>
+            </a:r>
+          </a:p>
+          <a:p>
+            <a:r>
+              <a:rPr lang="en-DE" sz="2000"/>
+              <a:t>We know why we need to have objects</a:t>
+            </a:r>
+          </a:p>
+          <a:p>
+            <a:r>
+              <a:rPr lang="en-DE" sz="2000"/>
+              <a:t>Any limitations still?</a:t>
+            </a:r>
+          </a:p>
+        </p:txBody>
+      </p:sp>
+      <p:pic>
+        <p:nvPicPr>
+          <p:cNvPr id="4" name="Content Placeholder 3">
+            <a:extLst>
+              <a:ext uri="{FF2B5EF4-FFF2-40B4-BE49-F238E27FC236}">
+                <a16:creationId xmlns:a16="http://schemas.microsoft.com/office/drawing/2014/main" id="{E8D47120-4895-C0B0-61D7-D63E0E6F2F29}"/>
+              </a:ext>
+            </a:extLst>
+          </p:cNvPr>
+          <p:cNvPicPr>
+            <a:picLocks noChangeAspect="1"/>
+          </p:cNvPicPr>
+          <p:nvPr/>
+        </p:nvPicPr>
+        <p:blipFill>
+          <a:blip r:embed="rId2"/>
+          <a:stretch>
+            <a:fillRect/>
+          </a:stretch>
+        </p:blipFill>
+        <p:spPr>
+          <a:xfrm>
+            <a:off x="5324559" y="3070862"/>
+            <a:ext cx="5862488" cy="2696744"/>
+          </a:xfrm>
+          <a:prstGeom prst="rect">
+            <a:avLst/>
+          </a:prstGeom>
+        </p:spPr>
+      </p:pic>
+      <p:sp>
+        <p:nvSpPr>
+          <p:cNvPr id="15" name="Rectangle 14">
+            <a:extLst>
+              <a:ext uri="{FF2B5EF4-FFF2-40B4-BE49-F238E27FC236}">
+                <a16:creationId xmlns:a16="http://schemas.microsoft.com/office/drawing/2014/main" id="{E6995CE5-F890-4ABA-82A2-26507CE8D2A3}"/>
+              </a:ext>
+              <a:ext uri="{C183D7F6-B498-43B3-948B-1728B52AA6E4}">
+                <adec:decorative xmlns:adec="http://schemas.microsoft.com/office/drawing/2017/decorative" val="1"/>
+              </a:ext>
+            </a:extLst>
+          </p:cNvPr>
+          <p:cNvSpPr>
+            <a:spLocks noGrp="1" noRot="1" noChangeAspect="1" noMove="1" noResize="1" noEditPoints="1" noAdjustHandles="1" noChangeArrowheads="1" noChangeShapeType="1" noTextEdit="1"/>
+          </p:cNvSpPr>
+          <p:nvPr>
+            <p:extLst>
+              <p:ext uri="{386F3935-93C4-4BCD-93E2-E3B085C9AB24}">
+                <p16:designElem xmlns:p16="http://schemas.microsoft.com/office/powerpoint/2015/main" val="1"/>
+              </p:ext>
+            </p:extLst>
+          </p:nvPr>
+        </p:nvSpPr>
+        <p:spPr>
+          <a:xfrm rot="5400000">
+            <a:off x="11228040" y="2313027"/>
+            <a:ext cx="781700" cy="152382"/>
+          </a:xfrm>
+          <a:prstGeom prst="rect">
+            <a:avLst/>
+          </a:prstGeom>
+          <a:solidFill>
+            <a:schemeClr val="accent4"/>
+          </a:solidFill>
+          <a:ln>
+            <a:noFill/>
+          </a:ln>
+        </p:spPr>
+        <p:style>
+          <a:lnRef idx="2">
+            <a:schemeClr val="accent1">
+              <a:shade val="50000"/>
+            </a:schemeClr>
+          </a:lnRef>
+          <a:fillRef idx="1">
+            <a:schemeClr val="accent1"/>
+          </a:fillRef>
+          <a:effectRef idx="0">
+            <a:schemeClr val="accent1"/>
+          </a:effectRef>
+          <a:fontRef idx="minor">
+            <a:schemeClr val="lt1"/>
+          </a:fontRef>
+        </p:style>
+        <p:txBody>
+          <a:bodyPr rtlCol="0" anchor="ctr"/>
+          <a:lstStyle/>
+          <a:p>
+            <a:pPr algn="ctr"/>
+            <a:endParaRPr lang="en-US"/>
+          </a:p>
+        </p:txBody>
+      </p:sp>
+    </p:spTree>
+    <p:extLst>
+      <p:ext uri="{BB962C8B-B14F-4D97-AF65-F5344CB8AC3E}">
+        <p14:creationId xmlns:p14="http://schemas.microsoft.com/office/powerpoint/2010/main" val="1006495872"/>
+      </p:ext>
+    </p:extLst>
+  </p:cSld>
+  <p:clrMapOvr>
+    <a:masterClrMapping/>
+  </p:clrMapOvr>
+</p:sld>
+</file>
+
+<file path=ppt/slides/slide4.xml><?xml version="1.0" encoding="utf-8"?>
 <p:sld xmlns:a="http://schemas.openxmlformats.org/drawingml/2006/main" xmlns:r="http://schemas.openxmlformats.org/officeDocument/2006/relationships" xmlns:p="http://schemas.openxmlformats.org/presentationml/2006/main">
   <p:cSld>
     <p:spTree>
@@ -3454,7 +4687,7 @@
           <p:cNvPr id="2" name="Title 1">
             <a:extLst>
               <a:ext uri="{FF2B5EF4-FFF2-40B4-BE49-F238E27FC236}">
-                <a16:creationId xmlns:a16="http://schemas.microsoft.com/office/drawing/2014/main" id="{380A1BB6-945C-C0FE-0E47-B96AF071C237}"/>
+                <a16:creationId xmlns:a16="http://schemas.microsoft.com/office/drawing/2014/main" id="{93AC0AFC-7DD8-B16C-AE9B-02AC54BF8644}"/>
               </a:ext>
             </a:extLst>
           </p:cNvPr>
@@ -3472,56 +4705,45 @@
           <a:p>
             <a:r>
               <a:rPr lang="en-DE" dirty="0"/>
-              <a:t>What do we know so far</a:t>
+              <a:t>Lets see what's the problem?</a:t>
             </a:r>
             <a:endParaRPr lang="de-DE" dirty="0"/>
           </a:p>
         </p:txBody>
       </p:sp>
-      <p:sp>
-        <p:nvSpPr>
-          <p:cNvPr id="3" name="Content Placeholder 2">
-            <a:extLst>
-              <a:ext uri="{FF2B5EF4-FFF2-40B4-BE49-F238E27FC236}">
-                <a16:creationId xmlns:a16="http://schemas.microsoft.com/office/drawing/2014/main" id="{175628B7-6B59-07B6-0037-FC3F0DC9BB16}"/>
-              </a:ext>
-            </a:extLst>
-          </p:cNvPr>
-          <p:cNvSpPr>
-            <a:spLocks noGrp="1"/>
-          </p:cNvSpPr>
+      <p:pic>
+        <p:nvPicPr>
+          <p:cNvPr id="6" name="Content Placeholder 5">
+            <a:extLst>
+              <a:ext uri="{FF2B5EF4-FFF2-40B4-BE49-F238E27FC236}">
+                <a16:creationId xmlns:a16="http://schemas.microsoft.com/office/drawing/2014/main" id="{71307DE3-5C9E-A777-9473-E72A7694C6F5}"/>
+              </a:ext>
+            </a:extLst>
+          </p:cNvPr>
+          <p:cNvPicPr>
+            <a:picLocks noGrp="1" noChangeAspect="1"/>
+          </p:cNvPicPr>
           <p:nvPr>
             <p:ph idx="1"/>
           </p:nvPr>
-        </p:nvSpPr>
-        <p:spPr/>
-        <p:txBody>
-          <a:bodyPr/>
-          <a:lstStyle/>
-          <a:p>
-            <a:r>
-              <a:rPr lang="en-DE" dirty="0"/>
-              <a:t>We know the purpose of classes?</a:t>
-            </a:r>
-          </a:p>
-          <a:p>
-            <a:r>
-              <a:rPr lang="en-DE" dirty="0"/>
-              <a:t>We know why we need to have objects</a:t>
-            </a:r>
-          </a:p>
-          <a:p>
-            <a:r>
-              <a:rPr lang="en-DE" dirty="0"/>
-              <a:t>Any limitations still?</a:t>
-            </a:r>
-          </a:p>
-        </p:txBody>
-      </p:sp>
+        </p:nvPicPr>
+        <p:blipFill>
+          <a:blip r:embed="rId2"/>
+          <a:stretch>
+            <a:fillRect/>
+          </a:stretch>
+        </p:blipFill>
+        <p:spPr>
+          <a:xfrm>
+            <a:off x="2499810" y="2002381"/>
+            <a:ext cx="7192379" cy="3591426"/>
+          </a:xfrm>
+        </p:spPr>
+      </p:pic>
     </p:spTree>
     <p:extLst>
       <p:ext uri="{BB962C8B-B14F-4D97-AF65-F5344CB8AC3E}">
-        <p14:creationId xmlns:p14="http://schemas.microsoft.com/office/powerpoint/2010/main" val="1006495872"/>
+        <p14:creationId xmlns:p14="http://schemas.microsoft.com/office/powerpoint/2010/main" val="3730360894"/>
       </p:ext>
     </p:extLst>
   </p:cSld>
@@ -3531,7 +4753,7 @@
 </p:sld>
 </file>
 
-<file path=ppt/slides/slide3.xml><?xml version="1.0" encoding="utf-8"?>
+<file path=ppt/slides/slide5.xml><?xml version="1.0" encoding="utf-8"?>
 <p:sld xmlns:a="http://schemas.openxmlformats.org/drawingml/2006/main" xmlns:r="http://schemas.openxmlformats.org/officeDocument/2006/relationships" xmlns:p="http://schemas.openxmlformats.org/presentationml/2006/main">
   <p:cSld>
     <p:spTree>
@@ -3548,60 +4770,670 @@
           <a:chExt cx="0" cy="0"/>
         </a:xfrm>
       </p:grpSpPr>
-      <p:sp>
-        <p:nvSpPr>
-          <p:cNvPr id="2" name="Title 1">
-            <a:extLst>
-              <a:ext uri="{FF2B5EF4-FFF2-40B4-BE49-F238E27FC236}">
-                <a16:creationId xmlns:a16="http://schemas.microsoft.com/office/drawing/2014/main" id="{E25913A8-BD8A-CFF7-97A1-6718F5D8EB89}"/>
-              </a:ext>
-            </a:extLst>
-          </p:cNvPr>
-          <p:cNvSpPr>
-            <a:spLocks noGrp="1"/>
-          </p:cNvSpPr>
-          <p:nvPr>
-            <p:ph type="title"/>
-          </p:nvPr>
-        </p:nvSpPr>
-        <p:spPr/>
-        <p:txBody>
-          <a:bodyPr/>
-          <a:lstStyle/>
-          <a:p>
-            <a:endParaRPr lang="de-DE" dirty="0"/>
-          </a:p>
-        </p:txBody>
-      </p:sp>
-      <p:sp>
-        <p:nvSpPr>
-          <p:cNvPr id="3" name="Content Placeholder 2">
-            <a:extLst>
-              <a:ext uri="{FF2B5EF4-FFF2-40B4-BE49-F238E27FC236}">
-                <a16:creationId xmlns:a16="http://schemas.microsoft.com/office/drawing/2014/main" id="{47E4C7C0-4C46-0A3A-1322-A253180DF34D}"/>
-              </a:ext>
-            </a:extLst>
-          </p:cNvPr>
-          <p:cNvSpPr>
-            <a:spLocks noGrp="1"/>
-          </p:cNvSpPr>
+      <p:pic>
+        <p:nvPicPr>
+          <p:cNvPr id="2050" name="Picture 2" descr="Operator Overloading in c++ -">
+            <a:extLst>
+              <a:ext uri="{FF2B5EF4-FFF2-40B4-BE49-F238E27FC236}">
+                <a16:creationId xmlns:a16="http://schemas.microsoft.com/office/drawing/2014/main" id="{A4DFBD7E-2155-DDA6-A326-0735E47AA3B0}"/>
+              </a:ext>
+            </a:extLst>
+          </p:cNvPr>
+          <p:cNvPicPr>
+            <a:picLocks noGrp="1" noChangeAspect="1" noChangeArrowheads="1"/>
+          </p:cNvPicPr>
           <p:nvPr>
             <p:ph idx="1"/>
           </p:nvPr>
-        </p:nvSpPr>
-        <p:spPr/>
-        <p:txBody>
-          <a:bodyPr/>
-          <a:lstStyle/>
-          <a:p>
-            <a:endParaRPr lang="de-DE"/>
-          </a:p>
-        </p:txBody>
-      </p:sp>
+        </p:nvPicPr>
+        <p:blipFill rotWithShape="1">
+          <a:blip r:embed="rId2">
+            <a:extLst>
+              <a:ext uri="{28A0092B-C50C-407E-A947-70E740481C1C}">
+                <a14:useLocalDpi xmlns:a14="http://schemas.microsoft.com/office/drawing/2010/main" val="0"/>
+              </a:ext>
+            </a:extLst>
+          </a:blip>
+          <a:srcRect b="12989"/>
+          <a:stretch/>
+        </p:blipFill>
+        <p:spPr bwMode="auto">
+          <a:xfrm>
+            <a:off x="769235" y="152584"/>
+            <a:ext cx="10653530" cy="6552832"/>
+          </a:xfrm>
+          <a:prstGeom prst="rect">
+            <a:avLst/>
+          </a:prstGeom>
+          <a:noFill/>
+          <a:extLst>
+            <a:ext uri="{909E8E84-426E-40DD-AFC4-6F175D3DCCD1}">
+              <a14:hiddenFill xmlns:a14="http://schemas.microsoft.com/office/drawing/2010/main">
+                <a:solidFill>
+                  <a:srgbClr val="FFFFFF"/>
+                </a:solidFill>
+              </a14:hiddenFill>
+            </a:ext>
+          </a:extLst>
+        </p:spPr>
+      </p:pic>
     </p:spTree>
     <p:extLst>
       <p:ext uri="{BB962C8B-B14F-4D97-AF65-F5344CB8AC3E}">
-        <p14:creationId xmlns:p14="http://schemas.microsoft.com/office/powerpoint/2010/main" val="2098087992"/>
+        <p14:creationId xmlns:p14="http://schemas.microsoft.com/office/powerpoint/2010/main" val="1598087358"/>
+      </p:ext>
+    </p:extLst>
+  </p:cSld>
+  <p:clrMapOvr>
+    <a:masterClrMapping/>
+  </p:clrMapOvr>
+</p:sld>
+</file>
+
+<file path=ppt/slides/slide6.xml><?xml version="1.0" encoding="utf-8"?>
+<p:sld xmlns:a="http://schemas.openxmlformats.org/drawingml/2006/main" xmlns:r="http://schemas.openxmlformats.org/officeDocument/2006/relationships" xmlns:p="http://schemas.openxmlformats.org/presentationml/2006/main">
+  <p:cSld>
+    <p:spTree>
+      <p:nvGrpSpPr>
+        <p:cNvPr id="1" name=""/>
+        <p:cNvGrpSpPr/>
+        <p:nvPr/>
+      </p:nvGrpSpPr>
+      <p:grpSpPr>
+        <a:xfrm>
+          <a:off x="0" y="0"/>
+          <a:ext cx="0" cy="0"/>
+          <a:chOff x="0" y="0"/>
+          <a:chExt cx="0" cy="0"/>
+        </a:xfrm>
+      </p:grpSpPr>
+      <p:pic>
+        <p:nvPicPr>
+          <p:cNvPr id="5" name="Content Placeholder 4">
+            <a:extLst>
+              <a:ext uri="{FF2B5EF4-FFF2-40B4-BE49-F238E27FC236}">
+                <a16:creationId xmlns:a16="http://schemas.microsoft.com/office/drawing/2014/main" id="{6D5C5893-DF54-E3EC-8692-8E7BF3712E45}"/>
+              </a:ext>
+            </a:extLst>
+          </p:cNvPr>
+          <p:cNvPicPr>
+            <a:picLocks noGrp="1" noChangeAspect="1"/>
+          </p:cNvPicPr>
+          <p:nvPr>
+            <p:ph idx="1"/>
+          </p:nvPr>
+        </p:nvPicPr>
+        <p:blipFill>
+          <a:blip r:embed="rId2"/>
+          <a:stretch>
+            <a:fillRect/>
+          </a:stretch>
+        </p:blipFill>
+        <p:spPr>
+          <a:xfrm>
+            <a:off x="2084845" y="25595"/>
+            <a:ext cx="8022309" cy="6806809"/>
+          </a:xfrm>
+        </p:spPr>
+      </p:pic>
+    </p:spTree>
+    <p:extLst>
+      <p:ext uri="{BB962C8B-B14F-4D97-AF65-F5344CB8AC3E}">
+        <p14:creationId xmlns:p14="http://schemas.microsoft.com/office/powerpoint/2010/main" val="720995700"/>
+      </p:ext>
+    </p:extLst>
+  </p:cSld>
+  <p:clrMapOvr>
+    <a:masterClrMapping/>
+  </p:clrMapOvr>
+</p:sld>
+</file>
+
+<file path=ppt/slides/slide7.xml><?xml version="1.0" encoding="utf-8"?>
+<p:sld xmlns:a="http://schemas.openxmlformats.org/drawingml/2006/main" xmlns:r="http://schemas.openxmlformats.org/officeDocument/2006/relationships" xmlns:p="http://schemas.openxmlformats.org/presentationml/2006/main">
+  <p:cSld>
+    <p:spTree>
+      <p:nvGrpSpPr>
+        <p:cNvPr id="1" name=""/>
+        <p:cNvGrpSpPr/>
+        <p:nvPr/>
+      </p:nvGrpSpPr>
+      <p:grpSpPr>
+        <a:xfrm>
+          <a:off x="0" y="0"/>
+          <a:ext cx="0" cy="0"/>
+          <a:chOff x="0" y="0"/>
+          <a:chExt cx="0" cy="0"/>
+        </a:xfrm>
+      </p:grpSpPr>
+      <p:pic>
+        <p:nvPicPr>
+          <p:cNvPr id="4" name="Content Placeholder 3">
+            <a:extLst>
+              <a:ext uri="{FF2B5EF4-FFF2-40B4-BE49-F238E27FC236}">
+                <a16:creationId xmlns:a16="http://schemas.microsoft.com/office/drawing/2014/main" id="{4254BEA9-8DEC-27C4-36F4-FAE03A8D1199}"/>
+              </a:ext>
+            </a:extLst>
+          </p:cNvPr>
+          <p:cNvPicPr>
+            <a:picLocks noGrp="1" noChangeAspect="1"/>
+          </p:cNvPicPr>
+          <p:nvPr>
+            <p:ph idx="1"/>
+          </p:nvPr>
+        </p:nvPicPr>
+        <p:blipFill>
+          <a:blip r:embed="rId2"/>
+          <a:stretch>
+            <a:fillRect/>
+          </a:stretch>
+        </p:blipFill>
+        <p:spPr>
+          <a:xfrm>
+            <a:off x="901427" y="421615"/>
+            <a:ext cx="10389146" cy="6014769"/>
+          </a:xfrm>
+          <a:prstGeom prst="rect">
+            <a:avLst/>
+          </a:prstGeom>
+        </p:spPr>
+      </p:pic>
+    </p:spTree>
+    <p:extLst>
+      <p:ext uri="{BB962C8B-B14F-4D97-AF65-F5344CB8AC3E}">
+        <p14:creationId xmlns:p14="http://schemas.microsoft.com/office/powerpoint/2010/main" val="95257358"/>
+      </p:ext>
+    </p:extLst>
+  </p:cSld>
+  <p:clrMapOvr>
+    <a:masterClrMapping/>
+  </p:clrMapOvr>
+</p:sld>
+</file>
+
+<file path=ppt/slides/slide8.xml><?xml version="1.0" encoding="utf-8"?>
+<p:sld xmlns:a="http://schemas.openxmlformats.org/drawingml/2006/main" xmlns:r="http://schemas.openxmlformats.org/officeDocument/2006/relationships" xmlns:p="http://schemas.openxmlformats.org/presentationml/2006/main">
+  <p:cSld>
+    <p:spTree>
+      <p:nvGrpSpPr>
+        <p:cNvPr id="1" name=""/>
+        <p:cNvGrpSpPr/>
+        <p:nvPr/>
+      </p:nvGrpSpPr>
+      <p:grpSpPr>
+        <a:xfrm>
+          <a:off x="0" y="0"/>
+          <a:ext cx="0" cy="0"/>
+          <a:chOff x="0" y="0"/>
+          <a:chExt cx="0" cy="0"/>
+        </a:xfrm>
+      </p:grpSpPr>
+      <p:pic>
+        <p:nvPicPr>
+          <p:cNvPr id="4" name="Content Placeholder 3">
+            <a:extLst>
+              <a:ext uri="{FF2B5EF4-FFF2-40B4-BE49-F238E27FC236}">
+                <a16:creationId xmlns:a16="http://schemas.microsoft.com/office/drawing/2014/main" id="{AEFB5C9C-3EC4-0846-EC85-1F43D673BC19}"/>
+              </a:ext>
+            </a:extLst>
+          </p:cNvPr>
+          <p:cNvPicPr>
+            <a:picLocks noGrp="1" noChangeAspect="1"/>
+          </p:cNvPicPr>
+          <p:nvPr>
+            <p:ph idx="1"/>
+          </p:nvPr>
+        </p:nvPicPr>
+        <p:blipFill>
+          <a:blip r:embed="rId2"/>
+          <a:stretch>
+            <a:fillRect/>
+          </a:stretch>
+        </p:blipFill>
+        <p:spPr>
+          <a:xfrm>
+            <a:off x="743929" y="694845"/>
+            <a:ext cx="10704141" cy="5468310"/>
+          </a:xfrm>
+          <a:prstGeom prst="rect">
+            <a:avLst/>
+          </a:prstGeom>
+        </p:spPr>
+      </p:pic>
+    </p:spTree>
+    <p:extLst>
+      <p:ext uri="{BB962C8B-B14F-4D97-AF65-F5344CB8AC3E}">
+        <p14:creationId xmlns:p14="http://schemas.microsoft.com/office/powerpoint/2010/main" val="4173647453"/>
+      </p:ext>
+    </p:extLst>
+  </p:cSld>
+  <p:clrMapOvr>
+    <a:masterClrMapping/>
+  </p:clrMapOvr>
+</p:sld>
+</file>
+
+<file path=ppt/slides/slide9.xml><?xml version="1.0" encoding="utf-8"?>
+<p:sld xmlns:a="http://schemas.openxmlformats.org/drawingml/2006/main" xmlns:r="http://schemas.openxmlformats.org/officeDocument/2006/relationships" xmlns:p="http://schemas.openxmlformats.org/presentationml/2006/main">
+  <p:cSld>
+    <p:bg>
+      <p:bgPr>
+        <a:solidFill>
+          <a:schemeClr val="bg1"/>
+        </a:solidFill>
+        <a:effectLst/>
+      </p:bgPr>
+    </p:bg>
+    <p:spTree>
+      <p:nvGrpSpPr>
+        <p:cNvPr id="1" name=""/>
+        <p:cNvGrpSpPr/>
+        <p:nvPr/>
+      </p:nvGrpSpPr>
+      <p:grpSpPr>
+        <a:xfrm>
+          <a:off x="0" y="0"/>
+          <a:ext cx="0" cy="0"/>
+          <a:chOff x="0" y="0"/>
+          <a:chExt cx="0" cy="0"/>
+        </a:xfrm>
+      </p:grpSpPr>
+      <p:sp useBgFill="1">
+        <p:nvSpPr>
+          <p:cNvPr id="34" name="Rectangle 33">
+            <a:extLst>
+              <a:ext uri="{FF2B5EF4-FFF2-40B4-BE49-F238E27FC236}">
+                <a16:creationId xmlns:a16="http://schemas.microsoft.com/office/drawing/2014/main" id="{9A724DBA-D2D9-471E-8ED7-2015DDD950DF}"/>
+              </a:ext>
+              <a:ext uri="{C183D7F6-B498-43B3-948B-1728B52AA6E4}">
+                <adec:decorative xmlns:adec="http://schemas.microsoft.com/office/drawing/2017/decorative" val="1"/>
+              </a:ext>
+            </a:extLst>
+          </p:cNvPr>
+          <p:cNvSpPr>
+            <a:spLocks noGrp="1" noRot="1" noChangeAspect="1" noMove="1" noResize="1" noEditPoints="1" noAdjustHandles="1" noChangeArrowheads="1" noChangeShapeType="1" noTextEdit="1"/>
+          </p:cNvSpPr>
+          <p:nvPr>
+            <p:extLst>
+              <p:ext uri="{386F3935-93C4-4BCD-93E2-E3B085C9AB24}">
+                <p16:designElem xmlns:p16="http://schemas.microsoft.com/office/powerpoint/2015/main" val="1"/>
+              </p:ext>
+            </p:extLst>
+          </p:nvPr>
+        </p:nvSpPr>
+        <p:spPr>
+          <a:xfrm>
+            <a:off x="0" y="0"/>
+            <a:ext cx="12191999" cy="6857365"/>
+          </a:xfrm>
+          <a:prstGeom prst="rect">
+            <a:avLst/>
+          </a:prstGeom>
+          <a:ln>
+            <a:noFill/>
+          </a:ln>
+        </p:spPr>
+        <p:style>
+          <a:lnRef idx="2">
+            <a:schemeClr val="accent1">
+              <a:shade val="50000"/>
+            </a:schemeClr>
+          </a:lnRef>
+          <a:fillRef idx="1">
+            <a:schemeClr val="accent1"/>
+          </a:fillRef>
+          <a:effectRef idx="0">
+            <a:schemeClr val="accent1"/>
+          </a:effectRef>
+          <a:fontRef idx="minor">
+            <a:schemeClr val="lt1"/>
+          </a:fontRef>
+        </p:style>
+        <p:txBody>
+          <a:bodyPr rtlCol="0" anchor="ctr"/>
+          <a:lstStyle/>
+          <a:p>
+            <a:pPr algn="ctr"/>
+            <a:endParaRPr lang="en-US"/>
+          </a:p>
+        </p:txBody>
+      </p:sp>
+      <p:sp>
+        <p:nvSpPr>
+          <p:cNvPr id="36" name="Rectangle 35">
+            <a:extLst>
+              <a:ext uri="{FF2B5EF4-FFF2-40B4-BE49-F238E27FC236}">
+                <a16:creationId xmlns:a16="http://schemas.microsoft.com/office/drawing/2014/main" id="{08980754-6F4B-43C9-B9BE-127B6BED6586}"/>
+              </a:ext>
+              <a:ext uri="{C183D7F6-B498-43B3-948B-1728B52AA6E4}">
+                <adec:decorative xmlns:adec="http://schemas.microsoft.com/office/drawing/2017/decorative" val="1"/>
+              </a:ext>
+            </a:extLst>
+          </p:cNvPr>
+          <p:cNvSpPr>
+            <a:spLocks noGrp="1" noRot="1" noChangeAspect="1" noMove="1" noResize="1" noEditPoints="1" noAdjustHandles="1" noChangeArrowheads="1" noChangeShapeType="1" noTextEdit="1"/>
+          </p:cNvSpPr>
+          <p:nvPr>
+            <p:extLst>
+              <p:ext uri="{386F3935-93C4-4BCD-93E2-E3B085C9AB24}">
+                <p16:designElem xmlns:p16="http://schemas.microsoft.com/office/powerpoint/2015/main" val="1"/>
+              </p:ext>
+            </p:extLst>
+          </p:nvPr>
+        </p:nvSpPr>
+        <p:spPr>
+          <a:xfrm rot="5400000">
+            <a:off x="5546413" y="215201"/>
+            <a:ext cx="740664" cy="11833491"/>
+          </a:xfrm>
+          <a:prstGeom prst="rect">
+            <a:avLst/>
+          </a:prstGeom>
+          <a:solidFill>
+            <a:schemeClr val="accent4"/>
+          </a:solidFill>
+          <a:ln>
+            <a:noFill/>
+          </a:ln>
+        </p:spPr>
+        <p:style>
+          <a:lnRef idx="2">
+            <a:schemeClr val="accent1">
+              <a:shade val="50000"/>
+            </a:schemeClr>
+          </a:lnRef>
+          <a:fillRef idx="1">
+            <a:schemeClr val="accent1"/>
+          </a:fillRef>
+          <a:effectRef idx="0">
+            <a:schemeClr val="accent1"/>
+          </a:effectRef>
+          <a:fontRef idx="minor">
+            <a:schemeClr val="lt1"/>
+          </a:fontRef>
+        </p:style>
+        <p:txBody>
+          <a:bodyPr rtlCol="0" anchor="ctr"/>
+          <a:lstStyle/>
+          <a:p>
+            <a:pPr algn="ctr"/>
+            <a:endParaRPr lang="en-US"/>
+          </a:p>
+        </p:txBody>
+      </p:sp>
+      <p:sp>
+        <p:nvSpPr>
+          <p:cNvPr id="38" name="Rectangle 37">
+            <a:extLst>
+              <a:ext uri="{FF2B5EF4-FFF2-40B4-BE49-F238E27FC236}">
+                <a16:creationId xmlns:a16="http://schemas.microsoft.com/office/drawing/2014/main" id="{2C1BBA94-3F40-40AA-8BB9-E69E25E537C1}"/>
+              </a:ext>
+              <a:ext uri="{C183D7F6-B498-43B3-948B-1728B52AA6E4}">
+                <adec:decorative xmlns:adec="http://schemas.microsoft.com/office/drawing/2017/decorative" val="1"/>
+              </a:ext>
+            </a:extLst>
+          </p:cNvPr>
+          <p:cNvSpPr>
+            <a:spLocks noGrp="1" noRot="1" noChangeAspect="1" noMove="1" noResize="1" noEditPoints="1" noAdjustHandles="1" noChangeArrowheads="1" noChangeShapeType="1" noTextEdit="1"/>
+          </p:cNvSpPr>
+          <p:nvPr>
+            <p:extLst>
+              <p:ext uri="{386F3935-93C4-4BCD-93E2-E3B085C9AB24}">
+                <p16:designElem xmlns:p16="http://schemas.microsoft.com/office/powerpoint/2015/main" val="1"/>
+              </p:ext>
+            </p:extLst>
+          </p:nvPr>
+        </p:nvSpPr>
+        <p:spPr>
+          <a:xfrm>
+            <a:off x="310234" y="354959"/>
+            <a:ext cx="6184973" cy="5915212"/>
+          </a:xfrm>
+          <a:prstGeom prst="rect">
+            <a:avLst/>
+          </a:prstGeom>
+          <a:solidFill>
+            <a:schemeClr val="bg1"/>
+          </a:solidFill>
+          <a:ln>
+            <a:noFill/>
+          </a:ln>
+          <a:effectLst>
+            <a:outerShdw blurRad="139700" dist="127000" dir="5400000" algn="t" rotWithShape="0">
+              <a:prstClr val="black">
+                <a:alpha val="15000"/>
+              </a:prstClr>
+            </a:outerShdw>
+          </a:effectLst>
+        </p:spPr>
+        <p:style>
+          <a:lnRef idx="2">
+            <a:schemeClr val="accent1">
+              <a:shade val="50000"/>
+            </a:schemeClr>
+          </a:lnRef>
+          <a:fillRef idx="1">
+            <a:schemeClr val="accent1"/>
+          </a:fillRef>
+          <a:effectRef idx="0">
+            <a:schemeClr val="accent1"/>
+          </a:effectRef>
+          <a:fontRef idx="minor">
+            <a:schemeClr val="lt1"/>
+          </a:fontRef>
+        </p:style>
+        <p:txBody>
+          <a:bodyPr rtlCol="0" anchor="ctr"/>
+          <a:lstStyle/>
+          <a:p>
+            <a:pPr algn="ctr"/>
+            <a:endParaRPr lang="en-US"/>
+          </a:p>
+        </p:txBody>
+      </p:sp>
+      <p:pic>
+        <p:nvPicPr>
+          <p:cNvPr id="5" name="Picture 4" descr="A screenshot of a computer code&#10;&#10;Description automatically generated">
+            <a:extLst>
+              <a:ext uri="{FF2B5EF4-FFF2-40B4-BE49-F238E27FC236}">
+                <a16:creationId xmlns:a16="http://schemas.microsoft.com/office/drawing/2014/main" id="{CA47EFBA-7851-B69E-0D7B-E6AC44070647}"/>
+              </a:ext>
+            </a:extLst>
+          </p:cNvPr>
+          <p:cNvPicPr>
+            <a:picLocks noChangeAspect="1"/>
+          </p:cNvPicPr>
+          <p:nvPr/>
+        </p:nvPicPr>
+        <p:blipFill>
+          <a:blip r:embed="rId2"/>
+          <a:stretch>
+            <a:fillRect/>
+          </a:stretch>
+        </p:blipFill>
+        <p:spPr>
+          <a:xfrm>
+            <a:off x="576244" y="1912595"/>
+            <a:ext cx="5628018" cy="2799939"/>
+          </a:xfrm>
+          <a:prstGeom prst="rect">
+            <a:avLst/>
+          </a:prstGeom>
+        </p:spPr>
+      </p:pic>
+      <p:sp>
+        <p:nvSpPr>
+          <p:cNvPr id="40" name="Rectangle 39">
+            <a:extLst>
+              <a:ext uri="{FF2B5EF4-FFF2-40B4-BE49-F238E27FC236}">
+                <a16:creationId xmlns:a16="http://schemas.microsoft.com/office/drawing/2014/main" id="{169CC832-2974-4E8D-90ED-3E2941BA7336}"/>
+              </a:ext>
+              <a:ext uri="{C183D7F6-B498-43B3-948B-1728B52AA6E4}">
+                <adec:decorative xmlns:adec="http://schemas.microsoft.com/office/drawing/2017/decorative" val="1"/>
+              </a:ext>
+            </a:extLst>
+          </p:cNvPr>
+          <p:cNvSpPr>
+            <a:spLocks noGrp="1" noRot="1" noChangeAspect="1" noMove="1" noResize="1" noEditPoints="1" noAdjustHandles="1" noChangeArrowheads="1" noChangeShapeType="1" noTextEdit="1"/>
+          </p:cNvSpPr>
+          <p:nvPr>
+            <p:extLst>
+              <p:ext uri="{386F3935-93C4-4BCD-93E2-E3B085C9AB24}">
+                <p16:designElem xmlns:p16="http://schemas.microsoft.com/office/powerpoint/2015/main" val="1"/>
+              </p:ext>
+            </p:extLst>
+          </p:nvPr>
+        </p:nvSpPr>
+        <p:spPr>
+          <a:xfrm flipH="1">
+            <a:off x="7277786" y="1944913"/>
+            <a:ext cx="4023360" cy="27432"/>
+          </a:xfrm>
+          <a:prstGeom prst="rect">
+            <a:avLst/>
+          </a:prstGeom>
+          <a:solidFill>
+            <a:schemeClr val="accent4"/>
+          </a:solidFill>
+          <a:ln>
+            <a:noFill/>
+          </a:ln>
+        </p:spPr>
+        <p:style>
+          <a:lnRef idx="2">
+            <a:schemeClr val="accent1">
+              <a:shade val="50000"/>
+            </a:schemeClr>
+          </a:lnRef>
+          <a:fillRef idx="1">
+            <a:schemeClr val="accent1"/>
+          </a:fillRef>
+          <a:effectRef idx="0">
+            <a:schemeClr val="accent1"/>
+          </a:effectRef>
+          <a:fontRef idx="minor">
+            <a:schemeClr val="lt1"/>
+          </a:fontRef>
+        </p:style>
+        <p:txBody>
+          <a:bodyPr rtlCol="0" anchor="ctr"/>
+          <a:lstStyle/>
+          <a:p>
+            <a:pPr algn="ctr"/>
+            <a:endParaRPr lang="en-US"/>
+          </a:p>
+        </p:txBody>
+      </p:sp>
+      <p:sp>
+        <p:nvSpPr>
+          <p:cNvPr id="3" name="Content Placeholder 2">
+            <a:extLst>
+              <a:ext uri="{FF2B5EF4-FFF2-40B4-BE49-F238E27FC236}">
+                <a16:creationId xmlns:a16="http://schemas.microsoft.com/office/drawing/2014/main" id="{16AEF334-25D4-117E-7B9B-52CC868A2E58}"/>
+              </a:ext>
+            </a:extLst>
+          </p:cNvPr>
+          <p:cNvSpPr>
+            <a:spLocks noGrp="1"/>
+          </p:cNvSpPr>
+          <p:nvPr>
+            <p:ph idx="1"/>
+          </p:nvPr>
+        </p:nvSpPr>
+        <p:spPr>
+          <a:xfrm>
+            <a:off x="7239012" y="2031101"/>
+            <a:ext cx="4282984" cy="3511943"/>
+          </a:xfrm>
+        </p:spPr>
+        <p:txBody>
+          <a:bodyPr anchor="ctr">
+            <a:normAutofit/>
+          </a:bodyPr>
+          <a:lstStyle/>
+          <a:p>
+            <a:r>
+              <a:rPr lang="en-GB" sz="1800"/>
+              <a:t>Overloading an operator cannot change its precedence. </a:t>
+            </a:r>
+            <a:endParaRPr lang="en-DE" sz="1800"/>
+          </a:p>
+          <a:p>
+            <a:r>
+              <a:rPr lang="en-GB" sz="1800"/>
+              <a:t>Overloading an operator cannot change its associativity. </a:t>
+            </a:r>
+            <a:endParaRPr lang="de-DE" sz="1800"/>
+          </a:p>
+        </p:txBody>
+      </p:sp>
+      <p:sp>
+        <p:nvSpPr>
+          <p:cNvPr id="42" name="Rectangle 41">
+            <a:extLst>
+              <a:ext uri="{FF2B5EF4-FFF2-40B4-BE49-F238E27FC236}">
+                <a16:creationId xmlns:a16="http://schemas.microsoft.com/office/drawing/2014/main" id="{55222F96-971A-4F90-B841-6BAB416C7AC1}"/>
+              </a:ext>
+              <a:ext uri="{C183D7F6-B498-43B3-948B-1728B52AA6E4}">
+                <adec:decorative xmlns:adec="http://schemas.microsoft.com/office/drawing/2017/decorative" val="1"/>
+              </a:ext>
+            </a:extLst>
+          </p:cNvPr>
+          <p:cNvSpPr>
+            <a:spLocks noGrp="1" noRot="1" noChangeAspect="1" noMove="1" noResize="1" noEditPoints="1" noAdjustHandles="1" noChangeArrowheads="1" noChangeShapeType="1" noTextEdit="1"/>
+          </p:cNvSpPr>
+          <p:nvPr>
+            <p:extLst>
+              <p:ext uri="{386F3935-93C4-4BCD-93E2-E3B085C9AB24}">
+                <p16:designElem xmlns:p16="http://schemas.microsoft.com/office/powerpoint/2015/main" val="1"/>
+              </p:ext>
+            </p:extLst>
+          </p:nvPr>
+        </p:nvSpPr>
+        <p:spPr>
+          <a:xfrm rot="5400000">
+            <a:off x="11677179" y="6053360"/>
+            <a:ext cx="740664" cy="154124"/>
+          </a:xfrm>
+          <a:prstGeom prst="rect">
+            <a:avLst/>
+          </a:prstGeom>
+          <a:solidFill>
+            <a:schemeClr val="accent4"/>
+          </a:solidFill>
+          <a:ln>
+            <a:noFill/>
+          </a:ln>
+        </p:spPr>
+        <p:style>
+          <a:lnRef idx="2">
+            <a:schemeClr val="accent1">
+              <a:shade val="50000"/>
+            </a:schemeClr>
+          </a:lnRef>
+          <a:fillRef idx="1">
+            <a:schemeClr val="accent1"/>
+          </a:fillRef>
+          <a:effectRef idx="0">
+            <a:schemeClr val="accent1"/>
+          </a:effectRef>
+          <a:fontRef idx="minor">
+            <a:schemeClr val="lt1"/>
+          </a:fontRef>
+        </p:style>
+        <p:txBody>
+          <a:bodyPr rtlCol="0" anchor="ctr"/>
+          <a:lstStyle/>
+          <a:p>
+            <a:pPr algn="ctr"/>
+            <a:endParaRPr lang="en-US"/>
+          </a:p>
+        </p:txBody>
+      </p:sp>
+    </p:spTree>
+    <p:extLst>
+      <p:ext uri="{BB962C8B-B14F-4D97-AF65-F5344CB8AC3E}">
+        <p14:creationId xmlns:p14="http://schemas.microsoft.com/office/powerpoint/2010/main" val="3612753112"/>
       </p:ext>
     </p:extLst>
   </p:cSld>

--- a/C++/Tutoring/Lectures/WS-24/Operator Overloading/Operator Overloading.pptx
+++ b/C++/Tutoring/Lectures/WS-24/Operator Overloading/Operator Overloading.pptx
@@ -8,6 +8,7 @@
     <p:sldId id="256" r:id="rId2"/>
     <p:sldId id="257" r:id="rId3"/>
     <p:sldId id="258" r:id="rId4"/>
+    <p:sldId id="259" r:id="rId5"/>
   </p:sldIdLst>
   <p:sldSz cx="12192000" cy="6858000"/>
   <p:notesSz cx="6858000" cy="9144000"/>
@@ -106,6 +107,11 @@
       </a:defRPr>
     </a:lvl9pPr>
   </p:defaultTextStyle>
+  <p:extLst>
+    <p:ext uri="{EFAFB233-063F-42B5-8137-9DF3F51BA10A}">
+      <p15:sldGuideLst xmlns:p15="http://schemas.microsoft.com/office/powerpoint/2012/main"/>
+    </p:ext>
+  </p:extLst>
 </p:presentation>
 </file>
 
@@ -258,7 +264,7 @@
           <a:p>
             <a:fld id="{9E045865-84CA-42F6-BE0A-D9DB698C966C}" type="datetimeFigureOut">
               <a:rPr lang="de-DE" smtClean="0"/>
-              <a:t>29.09.2024</a:t>
+              <a:t>05.12.2024</a:t>
             </a:fld>
             <a:endParaRPr lang="de-DE"/>
           </a:p>
@@ -458,7 +464,7 @@
           <a:p>
             <a:fld id="{9E045865-84CA-42F6-BE0A-D9DB698C966C}" type="datetimeFigureOut">
               <a:rPr lang="de-DE" smtClean="0"/>
-              <a:t>29.09.2024</a:t>
+              <a:t>05.12.2024</a:t>
             </a:fld>
             <a:endParaRPr lang="de-DE"/>
           </a:p>
@@ -668,7 +674,7 @@
           <a:p>
             <a:fld id="{9E045865-84CA-42F6-BE0A-D9DB698C966C}" type="datetimeFigureOut">
               <a:rPr lang="de-DE" smtClean="0"/>
-              <a:t>29.09.2024</a:t>
+              <a:t>05.12.2024</a:t>
             </a:fld>
             <a:endParaRPr lang="de-DE"/>
           </a:p>
@@ -868,7 +874,7 @@
           <a:p>
             <a:fld id="{9E045865-84CA-42F6-BE0A-D9DB698C966C}" type="datetimeFigureOut">
               <a:rPr lang="de-DE" smtClean="0"/>
-              <a:t>29.09.2024</a:t>
+              <a:t>05.12.2024</a:t>
             </a:fld>
             <a:endParaRPr lang="de-DE"/>
           </a:p>
@@ -1144,7 +1150,7 @@
           <a:p>
             <a:fld id="{9E045865-84CA-42F6-BE0A-D9DB698C966C}" type="datetimeFigureOut">
               <a:rPr lang="de-DE" smtClean="0"/>
-              <a:t>29.09.2024</a:t>
+              <a:t>05.12.2024</a:t>
             </a:fld>
             <a:endParaRPr lang="de-DE"/>
           </a:p>
@@ -1412,7 +1418,7 @@
           <a:p>
             <a:fld id="{9E045865-84CA-42F6-BE0A-D9DB698C966C}" type="datetimeFigureOut">
               <a:rPr lang="de-DE" smtClean="0"/>
-              <a:t>29.09.2024</a:t>
+              <a:t>05.12.2024</a:t>
             </a:fld>
             <a:endParaRPr lang="de-DE"/>
           </a:p>
@@ -1827,7 +1833,7 @@
           <a:p>
             <a:fld id="{9E045865-84CA-42F6-BE0A-D9DB698C966C}" type="datetimeFigureOut">
               <a:rPr lang="de-DE" smtClean="0"/>
-              <a:t>29.09.2024</a:t>
+              <a:t>05.12.2024</a:t>
             </a:fld>
             <a:endParaRPr lang="de-DE"/>
           </a:p>
@@ -1969,7 +1975,7 @@
           <a:p>
             <a:fld id="{9E045865-84CA-42F6-BE0A-D9DB698C966C}" type="datetimeFigureOut">
               <a:rPr lang="de-DE" smtClean="0"/>
-              <a:t>29.09.2024</a:t>
+              <a:t>05.12.2024</a:t>
             </a:fld>
             <a:endParaRPr lang="de-DE"/>
           </a:p>
@@ -2082,7 +2088,7 @@
           <a:p>
             <a:fld id="{9E045865-84CA-42F6-BE0A-D9DB698C966C}" type="datetimeFigureOut">
               <a:rPr lang="de-DE" smtClean="0"/>
-              <a:t>29.09.2024</a:t>
+              <a:t>05.12.2024</a:t>
             </a:fld>
             <a:endParaRPr lang="de-DE"/>
           </a:p>
@@ -2395,7 +2401,7 @@
           <a:p>
             <a:fld id="{9E045865-84CA-42F6-BE0A-D9DB698C966C}" type="datetimeFigureOut">
               <a:rPr lang="de-DE" smtClean="0"/>
-              <a:t>29.09.2024</a:t>
+              <a:t>05.12.2024</a:t>
             </a:fld>
             <a:endParaRPr lang="de-DE"/>
           </a:p>
@@ -2684,7 +2690,7 @@
           <a:p>
             <a:fld id="{9E045865-84CA-42F6-BE0A-D9DB698C966C}" type="datetimeFigureOut">
               <a:rPr lang="de-DE" smtClean="0"/>
-              <a:t>29.09.2024</a:t>
+              <a:t>05.12.2024</a:t>
             </a:fld>
             <a:endParaRPr lang="de-DE"/>
           </a:p>
@@ -2927,7 +2933,7 @@
           <a:p>
             <a:fld id="{9E045865-84CA-42F6-BE0A-D9DB698C966C}" type="datetimeFigureOut">
               <a:rPr lang="de-DE" smtClean="0"/>
-              <a:t>29.09.2024</a:t>
+              <a:t>05.12.2024</a:t>
             </a:fld>
             <a:endParaRPr lang="de-DE"/>
           </a:p>
@@ -3392,7 +3398,7 @@
         </p:nvSpPr>
         <p:spPr>
           <a:xfrm>
-            <a:off x="2492553" y="2085749"/>
+            <a:off x="2482721" y="2235200"/>
             <a:ext cx="9144000" cy="2387600"/>
           </a:xfrm>
         </p:spPr>
@@ -3409,7 +3415,7 @@
                 <a:effectLst/>
                 <a:latin typeface="-apple-system"/>
               </a:rPr>
-              <a:t>Operator Overloading</a:t>
+              <a:t>Templates</a:t>
             </a:r>
             <a:endParaRPr lang="de-DE" dirty="0">
               <a:solidFill>
@@ -3454,7 +3460,7 @@
           <p:cNvPr id="2" name="Title 1">
             <a:extLst>
               <a:ext uri="{FF2B5EF4-FFF2-40B4-BE49-F238E27FC236}">
-                <a16:creationId xmlns:a16="http://schemas.microsoft.com/office/drawing/2014/main" id="{380A1BB6-945C-C0FE-0E47-B96AF071C237}"/>
+                <a16:creationId xmlns:a16="http://schemas.microsoft.com/office/drawing/2014/main" id="{67C59E11-CB86-DA70-6B17-3E7D4BBB4D98}"/>
               </a:ext>
             </a:extLst>
           </p:cNvPr>
@@ -3465,16 +3471,20 @@
             <p:ph type="title"/>
           </p:nvPr>
         </p:nvSpPr>
-        <p:spPr/>
-        <p:txBody>
-          <a:bodyPr/>
-          <a:lstStyle/>
-          <a:p>
-            <a:r>
-              <a:rPr lang="en-DE" dirty="0"/>
-              <a:t>What do we know so far</a:t>
-            </a:r>
-            <a:endParaRPr lang="de-DE" dirty="0"/>
+        <p:spPr>
+          <a:xfrm>
+            <a:off x="7872046" y="3338512"/>
+            <a:ext cx="3372059" cy="1325563"/>
+          </a:xfrm>
+        </p:spPr>
+        <p:txBody>
+          <a:bodyPr/>
+          <a:lstStyle/>
+          <a:p>
+            <a:r>
+              <a:rPr lang="de-DE" b="1" dirty="0"/>
+              <a:t>Teamplates?</a:t>
+            </a:r>
           </a:p>
         </p:txBody>
       </p:sp>
@@ -3483,7 +3493,7 @@
           <p:cNvPr id="3" name="Content Placeholder 2">
             <a:extLst>
               <a:ext uri="{FF2B5EF4-FFF2-40B4-BE49-F238E27FC236}">
-                <a16:creationId xmlns:a16="http://schemas.microsoft.com/office/drawing/2014/main" id="{175628B7-6B59-07B6-0037-FC3F0DC9BB16}"/>
+                <a16:creationId xmlns:a16="http://schemas.microsoft.com/office/drawing/2014/main" id="{DDD21FA2-60C0-3EC6-2C02-0224C4045161}"/>
               </a:ext>
             </a:extLst>
           </p:cNvPr>
@@ -3494,34 +3504,56 @@
             <p:ph idx="1"/>
           </p:nvPr>
         </p:nvSpPr>
-        <p:spPr/>
-        <p:txBody>
-          <a:bodyPr/>
-          <a:lstStyle/>
-          <a:p>
-            <a:r>
-              <a:rPr lang="en-DE" dirty="0"/>
-              <a:t>We know the purpose of classes?</a:t>
-            </a:r>
-          </a:p>
-          <a:p>
-            <a:r>
-              <a:rPr lang="en-DE" dirty="0"/>
-              <a:t>We know why we need to have objects</a:t>
-            </a:r>
-          </a:p>
-          <a:p>
-            <a:r>
-              <a:rPr lang="en-DE" dirty="0"/>
-              <a:t>Any limitations still?</a:t>
-            </a:r>
+        <p:spPr>
+          <a:xfrm>
+            <a:off x="838200" y="1825625"/>
+            <a:ext cx="5257800" cy="4351338"/>
+          </a:xfrm>
+        </p:spPr>
+        <p:txBody>
+          <a:bodyPr>
+            <a:normAutofit lnSpcReduction="10000"/>
+          </a:bodyPr>
+          <a:lstStyle/>
+          <a:p>
+            <a:r>
+              <a:rPr lang="en-US" dirty="0"/>
+              <a:t>A C++ template is a powerful feature added to C++. </a:t>
+            </a:r>
+          </a:p>
+          <a:p>
+            <a:r>
+              <a:rPr lang="en-US" dirty="0"/>
+              <a:t>It allows you to define the generic classes and generic functions and thus provides support for generic programming. </a:t>
+            </a:r>
+          </a:p>
+          <a:p>
+            <a:r>
+              <a:rPr lang="en-US" dirty="0"/>
+              <a:t>Templates can be represented in two ways: </a:t>
+            </a:r>
+          </a:p>
+          <a:p>
+            <a:pPr lvl="1"/>
+            <a:r>
+              <a:rPr lang="de-DE" dirty="0"/>
+              <a:t>Function templates </a:t>
+            </a:r>
+          </a:p>
+          <a:p>
+            <a:pPr lvl="1"/>
+            <a:r>
+              <a:rPr lang="de-DE" dirty="0"/>
+              <a:t>Class templates</a:t>
+            </a:r>
+            <a:endParaRPr lang="en-US" dirty="0"/>
           </a:p>
         </p:txBody>
       </p:sp>
     </p:spTree>
     <p:extLst>
       <p:ext uri="{BB962C8B-B14F-4D97-AF65-F5344CB8AC3E}">
-        <p14:creationId xmlns:p14="http://schemas.microsoft.com/office/powerpoint/2010/main" val="1006495872"/>
+        <p14:creationId xmlns:p14="http://schemas.microsoft.com/office/powerpoint/2010/main" val="2347853325"/>
       </p:ext>
     </p:extLst>
   </p:cSld>
@@ -3548,60 +3580,99 @@
           <a:chExt cx="0" cy="0"/>
         </a:xfrm>
       </p:grpSpPr>
-      <p:sp>
-        <p:nvSpPr>
-          <p:cNvPr id="2" name="Title 1">
-            <a:extLst>
-              <a:ext uri="{FF2B5EF4-FFF2-40B4-BE49-F238E27FC236}">
-                <a16:creationId xmlns:a16="http://schemas.microsoft.com/office/drawing/2014/main" id="{E25913A8-BD8A-CFF7-97A1-6718F5D8EB89}"/>
-              </a:ext>
-            </a:extLst>
-          </p:cNvPr>
-          <p:cNvSpPr>
-            <a:spLocks noGrp="1"/>
-          </p:cNvSpPr>
-          <p:nvPr>
-            <p:ph type="title"/>
-          </p:nvPr>
-        </p:nvSpPr>
-        <p:spPr/>
-        <p:txBody>
-          <a:bodyPr/>
-          <a:lstStyle/>
-          <a:p>
-            <a:endParaRPr lang="de-DE" dirty="0"/>
-          </a:p>
-        </p:txBody>
-      </p:sp>
-      <p:sp>
-        <p:nvSpPr>
-          <p:cNvPr id="3" name="Content Placeholder 2">
-            <a:extLst>
-              <a:ext uri="{FF2B5EF4-FFF2-40B4-BE49-F238E27FC236}">
-                <a16:creationId xmlns:a16="http://schemas.microsoft.com/office/drawing/2014/main" id="{47E4C7C0-4C46-0A3A-1322-A253180DF34D}"/>
-              </a:ext>
-            </a:extLst>
-          </p:cNvPr>
-          <p:cNvSpPr>
-            <a:spLocks noGrp="1"/>
-          </p:cNvSpPr>
+      <p:pic>
+        <p:nvPicPr>
+          <p:cNvPr id="5" name="Content Placeholder 4">
+            <a:extLst>
+              <a:ext uri="{FF2B5EF4-FFF2-40B4-BE49-F238E27FC236}">
+                <a16:creationId xmlns:a16="http://schemas.microsoft.com/office/drawing/2014/main" id="{42270E11-F4EC-B4BC-C9A5-08E5D1F0A35F}"/>
+              </a:ext>
+            </a:extLst>
+          </p:cNvPr>
+          <p:cNvPicPr>
+            <a:picLocks noGrp="1" noChangeAspect="1"/>
+          </p:cNvPicPr>
           <p:nvPr>
             <p:ph idx="1"/>
           </p:nvPr>
-        </p:nvSpPr>
-        <p:spPr/>
-        <p:txBody>
-          <a:bodyPr/>
-          <a:lstStyle/>
-          <a:p>
-            <a:endParaRPr lang="de-DE"/>
-          </a:p>
-        </p:txBody>
-      </p:sp>
+        </p:nvPicPr>
+        <p:blipFill>
+          <a:blip r:embed="rId2"/>
+          <a:stretch>
+            <a:fillRect/>
+          </a:stretch>
+        </p:blipFill>
+        <p:spPr>
+          <a:xfrm>
+            <a:off x="349049" y="1145528"/>
+            <a:ext cx="11493901" cy="4566944"/>
+          </a:xfrm>
+        </p:spPr>
+      </p:pic>
     </p:spTree>
     <p:extLst>
       <p:ext uri="{BB962C8B-B14F-4D97-AF65-F5344CB8AC3E}">
-        <p14:creationId xmlns:p14="http://schemas.microsoft.com/office/powerpoint/2010/main" val="2098087992"/>
+        <p14:creationId xmlns:p14="http://schemas.microsoft.com/office/powerpoint/2010/main" val="1061829244"/>
+      </p:ext>
+    </p:extLst>
+  </p:cSld>
+  <p:clrMapOvr>
+    <a:masterClrMapping/>
+  </p:clrMapOvr>
+</p:sld>
+</file>
+
+<file path=ppt/slides/slide4.xml><?xml version="1.0" encoding="utf-8"?>
+<p:sld xmlns:a="http://schemas.openxmlformats.org/drawingml/2006/main" xmlns:r="http://schemas.openxmlformats.org/officeDocument/2006/relationships" xmlns:p="http://schemas.openxmlformats.org/presentationml/2006/main">
+  <p:cSld>
+    <p:spTree>
+      <p:nvGrpSpPr>
+        <p:cNvPr id="1" name=""/>
+        <p:cNvGrpSpPr/>
+        <p:nvPr/>
+      </p:nvGrpSpPr>
+      <p:grpSpPr>
+        <a:xfrm>
+          <a:off x="0" y="0"/>
+          <a:ext cx="0" cy="0"/>
+          <a:chOff x="0" y="0"/>
+          <a:chExt cx="0" cy="0"/>
+        </a:xfrm>
+      </p:grpSpPr>
+      <p:pic>
+        <p:nvPicPr>
+          <p:cNvPr id="5" name="Picture 4">
+            <a:extLst>
+              <a:ext uri="{FF2B5EF4-FFF2-40B4-BE49-F238E27FC236}">
+                <a16:creationId xmlns:a16="http://schemas.microsoft.com/office/drawing/2014/main" id="{B68BBE6E-F373-7C1A-AC7A-E026F9B8AEBE}"/>
+              </a:ext>
+            </a:extLst>
+          </p:cNvPr>
+          <p:cNvPicPr>
+            <a:picLocks noChangeAspect="1"/>
+          </p:cNvPicPr>
+          <p:nvPr/>
+        </p:nvPicPr>
+        <p:blipFill>
+          <a:blip r:embed="rId2"/>
+          <a:stretch>
+            <a:fillRect/>
+          </a:stretch>
+        </p:blipFill>
+        <p:spPr>
+          <a:xfrm>
+            <a:off x="1212724" y="688821"/>
+            <a:ext cx="9766552" cy="5480357"/>
+          </a:xfrm>
+          <a:prstGeom prst="rect">
+            <a:avLst/>
+          </a:prstGeom>
+        </p:spPr>
+      </p:pic>
+    </p:spTree>
+    <p:extLst>
+      <p:ext uri="{BB962C8B-B14F-4D97-AF65-F5344CB8AC3E}">
+        <p14:creationId xmlns:p14="http://schemas.microsoft.com/office/powerpoint/2010/main" val="4182125927"/>
       </p:ext>
     </p:extLst>
   </p:cSld>
